--- a/JC - 14 - CORONAVIRUS DISEASE.pptx
+++ b/JC - 14 - CORONAVIRUS DISEASE.pptx
@@ -3403,6 +3403,13 @@
         </dgm:presLayoutVars>
       </dgm:prSet>
       <dgm:spPr/>
+      <dgm:t>
+        <a:bodyPr/>
+        <a:lstStyle/>
+        <a:p>
+          <a:endParaRPr lang="en-US"/>
+        </a:p>
+      </dgm:t>
     </dgm:pt>
     <dgm:pt modelId="{38584005-C1F8-4228-B802-5AE49857E7D6}" type="pres">
       <dgm:prSet presAssocID="{2D1C9A98-1A48-4EE4-A522-F8C91BC3A23D}" presName="arrow" presStyleLbl="bgShp" presStyleIdx="0" presStyleCnt="1"/>
@@ -3423,6 +3430,13 @@
         </dgm:presLayoutVars>
       </dgm:prSet>
       <dgm:spPr/>
+      <dgm:t>
+        <a:bodyPr/>
+        <a:lstStyle/>
+        <a:p>
+          <a:endParaRPr lang="en-US"/>
+        </a:p>
+      </dgm:t>
     </dgm:pt>
     <dgm:pt modelId="{42A0B92F-7274-472B-9D10-0E32D08C1A7C}" type="pres">
       <dgm:prSet presAssocID="{107D71B9-80CF-42D5-8209-8246F0D937E7}" presName="circleA" presStyleLbl="node1" presStyleIdx="0" presStyleCnt="5"/>
@@ -3447,6 +3461,13 @@
         </dgm:presLayoutVars>
       </dgm:prSet>
       <dgm:spPr/>
+      <dgm:t>
+        <a:bodyPr/>
+        <a:lstStyle/>
+        <a:p>
+          <a:endParaRPr lang="en-US"/>
+        </a:p>
+      </dgm:t>
     </dgm:pt>
     <dgm:pt modelId="{EDA0742E-D8FF-4E20-9E06-F90F5A108642}" type="pres">
       <dgm:prSet presAssocID="{A56FC3F8-D635-4C03-84E3-B248535DB86C}" presName="circleB" presStyleLbl="node1" presStyleIdx="1" presStyleCnt="5"/>
@@ -3471,6 +3492,13 @@
         </dgm:presLayoutVars>
       </dgm:prSet>
       <dgm:spPr/>
+      <dgm:t>
+        <a:bodyPr/>
+        <a:lstStyle/>
+        <a:p>
+          <a:endParaRPr lang="en-US"/>
+        </a:p>
+      </dgm:t>
     </dgm:pt>
     <dgm:pt modelId="{8E31A507-35E1-4B96-9B2E-2A8A57B5341B}" type="pres">
       <dgm:prSet presAssocID="{B028A266-DC8F-43FB-81B8-7CBD6540667F}" presName="circleA" presStyleLbl="node1" presStyleIdx="2" presStyleCnt="5"/>
@@ -3495,6 +3523,13 @@
         </dgm:presLayoutVars>
       </dgm:prSet>
       <dgm:spPr/>
+      <dgm:t>
+        <a:bodyPr/>
+        <a:lstStyle/>
+        <a:p>
+          <a:endParaRPr lang="en-US"/>
+        </a:p>
+      </dgm:t>
     </dgm:pt>
     <dgm:pt modelId="{20607112-44C6-46FD-9CC5-7DD6007B1BA3}" type="pres">
       <dgm:prSet presAssocID="{4F7004C9-2BFA-4BBB-86AB-E6A0AA9F30F7}" presName="circleB" presStyleLbl="node1" presStyleIdx="3" presStyleCnt="5"/>
@@ -3519,6 +3554,13 @@
         </dgm:presLayoutVars>
       </dgm:prSet>
       <dgm:spPr/>
+      <dgm:t>
+        <a:bodyPr/>
+        <a:lstStyle/>
+        <a:p>
+          <a:endParaRPr lang="en-US"/>
+        </a:p>
+      </dgm:t>
     </dgm:pt>
     <dgm:pt modelId="{3B581448-FF41-4AE9-9DDC-93E1146B727A}" type="pres">
       <dgm:prSet presAssocID="{15D4C3D5-DFAA-4A72-BF90-3638AC6912B4}" presName="circleA" presStyleLbl="node1" presStyleIdx="4" presStyleCnt="5"/>
@@ -3530,17 +3572,17 @@
     </dgm:pt>
   </dgm:ptLst>
   <dgm:cxnLst>
-    <dgm:cxn modelId="{DD99D5E1-B055-45E9-B21B-7EB61FC592AF}" type="presOf" srcId="{4F7004C9-2BFA-4BBB-86AB-E6A0AA9F30F7}" destId="{CB17EA07-DDE7-4843-A933-C77DA3CAA0F9}" srcOrd="0" destOrd="0" presId="urn:microsoft.com/office/officeart/2005/8/layout/hProcess11"/>
-    <dgm:cxn modelId="{B16C9FD6-504B-4E8B-A1A4-EA302A01FC94}" srcId="{2D1C9A98-1A48-4EE4-A522-F8C91BC3A23D}" destId="{B028A266-DC8F-43FB-81B8-7CBD6540667F}" srcOrd="2" destOrd="0" parTransId="{BD6E5D30-C26E-4060-81F0-51A2238373F9}" sibTransId="{3813ACB9-A26A-429A-AC01-1F93746FD970}"/>
+    <dgm:cxn modelId="{A9FF0482-3768-4FD1-B756-1317AD2873E4}" type="presOf" srcId="{107D71B9-80CF-42D5-8209-8246F0D937E7}" destId="{2B0F6463-9E51-4CA4-8B07-436BBBDE4C4D}" srcOrd="0" destOrd="0" presId="urn:microsoft.com/office/officeart/2005/8/layout/hProcess11"/>
+    <dgm:cxn modelId="{1EA1D011-D8CD-4BF9-8508-1104DDE16482}" srcId="{2D1C9A98-1A48-4EE4-A522-F8C91BC3A23D}" destId="{A56FC3F8-D635-4C03-84E3-B248535DB86C}" srcOrd="1" destOrd="0" parTransId="{94CCF598-D8A8-4BB3-9374-22048D68551A}" sibTransId="{319F492E-66B1-4941-934D-2C0BE2509365}"/>
+    <dgm:cxn modelId="{58255CE6-7749-423F-9DF8-42B20B847E47}" srcId="{2D1C9A98-1A48-4EE4-A522-F8C91BC3A23D}" destId="{107D71B9-80CF-42D5-8209-8246F0D937E7}" srcOrd="0" destOrd="0" parTransId="{CB4C8C5F-A432-4D2A-8734-FD510E0EE90A}" sibTransId="{94038D70-779A-4785-9F91-03B8D89A41DD}"/>
     <dgm:cxn modelId="{5D7C6447-9313-46CF-BBEC-46BF88E6FC0D}" srcId="{2D1C9A98-1A48-4EE4-A522-F8C91BC3A23D}" destId="{4F7004C9-2BFA-4BBB-86AB-E6A0AA9F30F7}" srcOrd="3" destOrd="0" parTransId="{F59ED4A9-2C6F-4495-A5BF-58092847E549}" sibTransId="{DF9DF2C5-33B4-4539-B5D4-8FB96A02D159}"/>
     <dgm:cxn modelId="{D1984A95-3648-48EC-8914-0BE7D687057E}" type="presOf" srcId="{B028A266-DC8F-43FB-81B8-7CBD6540667F}" destId="{64E40F09-E776-4E14-9C82-37ACEC3C9033}" srcOrd="0" destOrd="0" presId="urn:microsoft.com/office/officeart/2005/8/layout/hProcess11"/>
-    <dgm:cxn modelId="{EAEBCF60-E879-46D3-8B22-A3664F88C077}" type="presOf" srcId="{A56FC3F8-D635-4C03-84E3-B248535DB86C}" destId="{759FF979-C43E-4716-AB91-39C34693DC3E}" srcOrd="0" destOrd="0" presId="urn:microsoft.com/office/officeart/2005/8/layout/hProcess11"/>
+    <dgm:cxn modelId="{DD99D5E1-B055-45E9-B21B-7EB61FC592AF}" type="presOf" srcId="{4F7004C9-2BFA-4BBB-86AB-E6A0AA9F30F7}" destId="{CB17EA07-DDE7-4843-A933-C77DA3CAA0F9}" srcOrd="0" destOrd="0" presId="urn:microsoft.com/office/officeart/2005/8/layout/hProcess11"/>
+    <dgm:cxn modelId="{9B444C1D-5B28-49A1-BA4C-1566B4919DE8}" srcId="{2D1C9A98-1A48-4EE4-A522-F8C91BC3A23D}" destId="{15D4C3D5-DFAA-4A72-BF90-3638AC6912B4}" srcOrd="4" destOrd="0" parTransId="{D1032F4F-FBCA-4F66-8585-A0EC9945BB3F}" sibTransId="{252C72F5-52F9-428B-9612-8F85EE33DE70}"/>
+    <dgm:cxn modelId="{B16C9FD6-504B-4E8B-A1A4-EA302A01FC94}" srcId="{2D1C9A98-1A48-4EE4-A522-F8C91BC3A23D}" destId="{B028A266-DC8F-43FB-81B8-7CBD6540667F}" srcOrd="2" destOrd="0" parTransId="{BD6E5D30-C26E-4060-81F0-51A2238373F9}" sibTransId="{3813ACB9-A26A-429A-AC01-1F93746FD970}"/>
     <dgm:cxn modelId="{A3457FC6-98E6-4A80-8D63-30AD5CBF78A1}" type="presOf" srcId="{2D1C9A98-1A48-4EE4-A522-F8C91BC3A23D}" destId="{439A7025-7E23-45C1-A958-6E862139D29A}" srcOrd="0" destOrd="0" presId="urn:microsoft.com/office/officeart/2005/8/layout/hProcess11"/>
     <dgm:cxn modelId="{2090D234-4ADA-4FCB-95F4-1FCE7134BE70}" type="presOf" srcId="{15D4C3D5-DFAA-4A72-BF90-3638AC6912B4}" destId="{531391CD-B967-495E-B421-990C29B9106A}" srcOrd="0" destOrd="0" presId="urn:microsoft.com/office/officeart/2005/8/layout/hProcess11"/>
-    <dgm:cxn modelId="{58255CE6-7749-423F-9DF8-42B20B847E47}" srcId="{2D1C9A98-1A48-4EE4-A522-F8C91BC3A23D}" destId="{107D71B9-80CF-42D5-8209-8246F0D937E7}" srcOrd="0" destOrd="0" parTransId="{CB4C8C5F-A432-4D2A-8734-FD510E0EE90A}" sibTransId="{94038D70-779A-4785-9F91-03B8D89A41DD}"/>
-    <dgm:cxn modelId="{1EA1D011-D8CD-4BF9-8508-1104DDE16482}" srcId="{2D1C9A98-1A48-4EE4-A522-F8C91BC3A23D}" destId="{A56FC3F8-D635-4C03-84E3-B248535DB86C}" srcOrd="1" destOrd="0" parTransId="{94CCF598-D8A8-4BB3-9374-22048D68551A}" sibTransId="{319F492E-66B1-4941-934D-2C0BE2509365}"/>
-    <dgm:cxn modelId="{9B444C1D-5B28-49A1-BA4C-1566B4919DE8}" srcId="{2D1C9A98-1A48-4EE4-A522-F8C91BC3A23D}" destId="{15D4C3D5-DFAA-4A72-BF90-3638AC6912B4}" srcOrd="4" destOrd="0" parTransId="{D1032F4F-FBCA-4F66-8585-A0EC9945BB3F}" sibTransId="{252C72F5-52F9-428B-9612-8F85EE33DE70}"/>
-    <dgm:cxn modelId="{A9FF0482-3768-4FD1-B756-1317AD2873E4}" type="presOf" srcId="{107D71B9-80CF-42D5-8209-8246F0D937E7}" destId="{2B0F6463-9E51-4CA4-8B07-436BBBDE4C4D}" srcOrd="0" destOrd="0" presId="urn:microsoft.com/office/officeart/2005/8/layout/hProcess11"/>
+    <dgm:cxn modelId="{EAEBCF60-E879-46D3-8B22-A3664F88C077}" type="presOf" srcId="{A56FC3F8-D635-4C03-84E3-B248535DB86C}" destId="{759FF979-C43E-4716-AB91-39C34693DC3E}" srcOrd="0" destOrd="0" presId="urn:microsoft.com/office/officeart/2005/8/layout/hProcess11"/>
     <dgm:cxn modelId="{929ACF46-FF9C-4D0D-B87A-C96CE90C7FE4}" type="presParOf" srcId="{439A7025-7E23-45C1-A958-6E862139D29A}" destId="{38584005-C1F8-4228-B802-5AE49857E7D6}" srcOrd="0" destOrd="0" presId="urn:microsoft.com/office/officeart/2005/8/layout/hProcess11"/>
     <dgm:cxn modelId="{5C9B0D9E-C17A-469E-A4D9-09BE8700BC1F}" type="presParOf" srcId="{439A7025-7E23-45C1-A958-6E862139D29A}" destId="{8BA3CD2F-7C7C-40B4-B071-27731EFB1E70}" srcOrd="1" destOrd="0" presId="urn:microsoft.com/office/officeart/2005/8/layout/hProcess11"/>
     <dgm:cxn modelId="{9B16F4B8-58CA-4CC3-BB14-8FF0E79779D7}" type="presParOf" srcId="{8BA3CD2F-7C7C-40B4-B071-27731EFB1E70}" destId="{770ACC27-8CD6-4ADC-8120-BF935E555C78}" srcOrd="0" destOrd="0" presId="urn:microsoft.com/office/officeart/2005/8/layout/hProcess11"/>
@@ -3881,6 +3923,13 @@
         </dgm:presLayoutVars>
       </dgm:prSet>
       <dgm:spPr/>
+      <dgm:t>
+        <a:bodyPr/>
+        <a:lstStyle/>
+        <a:p>
+          <a:endParaRPr lang="en-US"/>
+        </a:p>
+      </dgm:t>
     </dgm:pt>
     <dgm:pt modelId="{E4244E6C-4CC8-4D34-B952-794E115799B9}" type="pres">
       <dgm:prSet presAssocID="{A740372D-C1B5-4EBF-AA07-7F0297C5916E}" presName="linNode" presStyleCnt="0"/>
@@ -4272,6 +4321,13 @@
         </dgm:presLayoutVars>
       </dgm:prSet>
       <dgm:spPr/>
+      <dgm:t>
+        <a:bodyPr/>
+        <a:lstStyle/>
+        <a:p>
+          <a:endParaRPr lang="en-US"/>
+        </a:p>
+      </dgm:t>
     </dgm:pt>
     <dgm:pt modelId="{149AA3F2-BFF5-45E5-92CA-0514EAA108F8}" type="pres">
       <dgm:prSet presAssocID="{C018B02B-BA1D-4182-B5BC-1D625B1128B1}" presName="Accent3" presStyleCnt="0"/>
@@ -4395,16 +4451,16 @@
     </dgm:pt>
   </dgm:ptLst>
   <dgm:cxnLst>
+    <dgm:cxn modelId="{43625D4A-E0D3-4A41-A252-4F2ADB3B6BBD}" type="presOf" srcId="{C018B02B-BA1D-4182-B5BC-1D625B1128B1}" destId="{EC8C332E-3C5E-4560-8E8E-3A33260F1A97}" srcOrd="0" destOrd="0" presId="urn:microsoft.com/office/officeart/2011/layout/CircleProcess"/>
+    <dgm:cxn modelId="{C40DB651-C8AF-45A8-9786-F41B59615E27}" type="presOf" srcId="{C018B02B-BA1D-4182-B5BC-1D625B1128B1}" destId="{35B2EDFB-22B1-4ED0-AC29-964D16877369}" srcOrd="1" destOrd="0" presId="urn:microsoft.com/office/officeart/2011/layout/CircleProcess"/>
+    <dgm:cxn modelId="{ADDA2070-7E34-4FC2-966C-25C42A74E3CA}" srcId="{793423B1-BFB4-42B0-98DC-0C5AEED4F5F2}" destId="{685F4ECB-B49A-45D1-A83E-562CC2A7878A}" srcOrd="0" destOrd="0" parTransId="{727EB916-E92A-4A32-B508-7BDAA5C93F91}" sibTransId="{D39DB3C8-C87F-44CF-BC42-720475CD860C}"/>
+    <dgm:cxn modelId="{2ABCE663-5093-4D92-AAF1-21984467EA61}" type="presOf" srcId="{685F4ECB-B49A-45D1-A83E-562CC2A7878A}" destId="{112EAEF2-84F1-45FB-9754-7A7B8A93CC62}" srcOrd="0" destOrd="0" presId="urn:microsoft.com/office/officeart/2011/layout/CircleProcess"/>
+    <dgm:cxn modelId="{0CE96D54-9119-484C-B661-301564174399}" type="presOf" srcId="{B5909E66-8E42-48FC-BB17-FF9EF5E95415}" destId="{6C866EF1-C5B9-4D8C-99C3-0E1CFA2ED11C}" srcOrd="0" destOrd="0" presId="urn:microsoft.com/office/officeart/2011/layout/CircleProcess"/>
     <dgm:cxn modelId="{02FBFA2D-8C85-4FF3-8EE9-4A036543FC06}" srcId="{793423B1-BFB4-42B0-98DC-0C5AEED4F5F2}" destId="{B5909E66-8E42-48FC-BB17-FF9EF5E95415}" srcOrd="1" destOrd="0" parTransId="{2CF90B1A-3E0E-4B97-8C4C-2F3E3741BF87}" sibTransId="{667E200A-5CD1-4A02-8345-389D9BB32F9F}"/>
+    <dgm:cxn modelId="{55A1AE8F-E2B4-4EFA-BA64-2871CD0981A1}" type="presOf" srcId="{685F4ECB-B49A-45D1-A83E-562CC2A7878A}" destId="{9D3CE780-4D92-4901-A8AB-8050C7928AC7}" srcOrd="1" destOrd="0" presId="urn:microsoft.com/office/officeart/2011/layout/CircleProcess"/>
+    <dgm:cxn modelId="{57FA07FC-CB54-49DC-B832-D31B32913523}" type="presOf" srcId="{B5909E66-8E42-48FC-BB17-FF9EF5E95415}" destId="{DA50D31C-DDEF-42F4-B3BE-E679C74A1A7B}" srcOrd="1" destOrd="0" presId="urn:microsoft.com/office/officeart/2011/layout/CircleProcess"/>
     <dgm:cxn modelId="{9C17A006-BCF2-4675-AE2D-8F10C1A3FF3D}" type="presOf" srcId="{793423B1-BFB4-42B0-98DC-0C5AEED4F5F2}" destId="{4894D041-7B14-4031-BF17-8F6080A8CAA6}" srcOrd="0" destOrd="0" presId="urn:microsoft.com/office/officeart/2011/layout/CircleProcess"/>
     <dgm:cxn modelId="{0D12EFF9-FF92-4212-88EB-1377EF63E5FF}" srcId="{793423B1-BFB4-42B0-98DC-0C5AEED4F5F2}" destId="{C018B02B-BA1D-4182-B5BC-1D625B1128B1}" srcOrd="2" destOrd="0" parTransId="{6D886E7C-E094-462E-949C-025207B85D4B}" sibTransId="{EEFC85AE-29FD-4574-BDD9-274FA8103076}"/>
-    <dgm:cxn modelId="{2ABCE663-5093-4D92-AAF1-21984467EA61}" type="presOf" srcId="{685F4ECB-B49A-45D1-A83E-562CC2A7878A}" destId="{112EAEF2-84F1-45FB-9754-7A7B8A93CC62}" srcOrd="0" destOrd="0" presId="urn:microsoft.com/office/officeart/2011/layout/CircleProcess"/>
-    <dgm:cxn modelId="{57FA07FC-CB54-49DC-B832-D31B32913523}" type="presOf" srcId="{B5909E66-8E42-48FC-BB17-FF9EF5E95415}" destId="{DA50D31C-DDEF-42F4-B3BE-E679C74A1A7B}" srcOrd="1" destOrd="0" presId="urn:microsoft.com/office/officeart/2011/layout/CircleProcess"/>
-    <dgm:cxn modelId="{C40DB651-C8AF-45A8-9786-F41B59615E27}" type="presOf" srcId="{C018B02B-BA1D-4182-B5BC-1D625B1128B1}" destId="{35B2EDFB-22B1-4ED0-AC29-964D16877369}" srcOrd="1" destOrd="0" presId="urn:microsoft.com/office/officeart/2011/layout/CircleProcess"/>
-    <dgm:cxn modelId="{0CE96D54-9119-484C-B661-301564174399}" type="presOf" srcId="{B5909E66-8E42-48FC-BB17-FF9EF5E95415}" destId="{6C866EF1-C5B9-4D8C-99C3-0E1CFA2ED11C}" srcOrd="0" destOrd="0" presId="urn:microsoft.com/office/officeart/2011/layout/CircleProcess"/>
-    <dgm:cxn modelId="{43625D4A-E0D3-4A41-A252-4F2ADB3B6BBD}" type="presOf" srcId="{C018B02B-BA1D-4182-B5BC-1D625B1128B1}" destId="{EC8C332E-3C5E-4560-8E8E-3A33260F1A97}" srcOrd="0" destOrd="0" presId="urn:microsoft.com/office/officeart/2011/layout/CircleProcess"/>
-    <dgm:cxn modelId="{ADDA2070-7E34-4FC2-966C-25C42A74E3CA}" srcId="{793423B1-BFB4-42B0-98DC-0C5AEED4F5F2}" destId="{685F4ECB-B49A-45D1-A83E-562CC2A7878A}" srcOrd="0" destOrd="0" parTransId="{727EB916-E92A-4A32-B508-7BDAA5C93F91}" sibTransId="{D39DB3C8-C87F-44CF-BC42-720475CD860C}"/>
-    <dgm:cxn modelId="{55A1AE8F-E2B4-4EFA-BA64-2871CD0981A1}" type="presOf" srcId="{685F4ECB-B49A-45D1-A83E-562CC2A7878A}" destId="{9D3CE780-4D92-4901-A8AB-8050C7928AC7}" srcOrd="1" destOrd="0" presId="urn:microsoft.com/office/officeart/2011/layout/CircleProcess"/>
     <dgm:cxn modelId="{60EC121F-71D0-4F7A-994F-69715B260BFD}" type="presParOf" srcId="{4894D041-7B14-4031-BF17-8F6080A8CAA6}" destId="{149AA3F2-BFF5-45E5-92CA-0514EAA108F8}" srcOrd="0" destOrd="0" presId="urn:microsoft.com/office/officeart/2011/layout/CircleProcess"/>
     <dgm:cxn modelId="{CFA93940-3CCC-403E-861E-C43AF550EE1D}" type="presParOf" srcId="{149AA3F2-BFF5-45E5-92CA-0514EAA108F8}" destId="{C266C355-813C-4B27-910A-3B63E5770728}" srcOrd="0" destOrd="0" presId="urn:microsoft.com/office/officeart/2011/layout/CircleProcess"/>
     <dgm:cxn modelId="{5CA101C1-BE61-4BC4-9776-09E7F1FABA92}" type="presParOf" srcId="{4894D041-7B14-4031-BF17-8F6080A8CAA6}" destId="{E6443D79-D5BB-4648-B605-F579FB5AD140}" srcOrd="1" destOrd="0" presId="urn:microsoft.com/office/officeart/2011/layout/CircleProcess"/>
@@ -4745,6 +4801,13 @@
         </dgm:presLayoutVars>
       </dgm:prSet>
       <dgm:spPr/>
+      <dgm:t>
+        <a:bodyPr/>
+        <a:lstStyle/>
+        <a:p>
+          <a:endParaRPr lang="en-US"/>
+        </a:p>
+      </dgm:t>
     </dgm:pt>
     <dgm:pt modelId="{682575C2-A8DD-4C06-BD96-F42D66798601}" type="pres">
       <dgm:prSet presAssocID="{947A0E74-103F-46D7-8819-8F39E609ED43}" presName="Accent4" presStyleCnt="0"/>
@@ -4801,6 +4864,13 @@
     <dgm:pt modelId="{72A6AC03-AD7F-4141-B339-587E98A1039F}" type="pres">
       <dgm:prSet presAssocID="{0F0F1205-66D3-4A77-8E5B-BFD9B362459D}" presName="ParentBackground" presStyleLbl="fgAcc1" presStyleIdx="1" presStyleCnt="4"/>
       <dgm:spPr/>
+      <dgm:t>
+        <a:bodyPr/>
+        <a:lstStyle/>
+        <a:p>
+          <a:endParaRPr lang="en-US"/>
+        </a:p>
+      </dgm:t>
     </dgm:pt>
     <dgm:pt modelId="{F7C95E32-283B-4B45-9D07-54E41BA42F6B}" type="pres">
       <dgm:prSet presAssocID="{0F0F1205-66D3-4A77-8E5B-BFD9B362459D}" presName="Parent3" presStyleLbl="revTx" presStyleIdx="0" presStyleCnt="0">
@@ -4811,6 +4881,13 @@
         </dgm:presLayoutVars>
       </dgm:prSet>
       <dgm:spPr/>
+      <dgm:t>
+        <a:bodyPr/>
+        <a:lstStyle/>
+        <a:p>
+          <a:endParaRPr lang="en-US"/>
+        </a:p>
+      </dgm:t>
     </dgm:pt>
     <dgm:pt modelId="{984429E5-C319-4FA0-A89B-BF91FFAF1271}" type="pres">
       <dgm:prSet presAssocID="{B5909E66-8E42-48FC-BB17-FF9EF5E95415}" presName="Accent2" presStyleCnt="0"/>
@@ -4827,6 +4904,13 @@
     <dgm:pt modelId="{6C866EF1-C5B9-4D8C-99C3-0E1CFA2ED11C}" type="pres">
       <dgm:prSet presAssocID="{B5909E66-8E42-48FC-BB17-FF9EF5E95415}" presName="ParentBackground" presStyleLbl="fgAcc1" presStyleIdx="2" presStyleCnt="4"/>
       <dgm:spPr/>
+      <dgm:t>
+        <a:bodyPr/>
+        <a:lstStyle/>
+        <a:p>
+          <a:endParaRPr lang="en-US"/>
+        </a:p>
+      </dgm:t>
     </dgm:pt>
     <dgm:pt modelId="{DA50D31C-DDEF-42F4-B3BE-E679C74A1A7B}" type="pres">
       <dgm:prSet presAssocID="{B5909E66-8E42-48FC-BB17-FF9EF5E95415}" presName="Parent2" presStyleLbl="revTx" presStyleIdx="0" presStyleCnt="0">
@@ -4837,6 +4921,13 @@
         </dgm:presLayoutVars>
       </dgm:prSet>
       <dgm:spPr/>
+      <dgm:t>
+        <a:bodyPr/>
+        <a:lstStyle/>
+        <a:p>
+          <a:endParaRPr lang="en-US"/>
+        </a:p>
+      </dgm:t>
     </dgm:pt>
     <dgm:pt modelId="{E323421D-58E8-4934-A5C7-D8C45B215025}" type="pres">
       <dgm:prSet presAssocID="{685F4ECB-B49A-45D1-A83E-562CC2A7878A}" presName="Accent1" presStyleCnt="0"/>
@@ -4932,692 +5023,6 @@
       <dsp:cNvGrpSpPr/>
     </dsp:nvGrpSpPr>
     <dsp:grpSpPr/>
-    <dsp:sp modelId="{38584005-C1F8-4228-B802-5AE49857E7D6}">
-      <dsp:nvSpPr>
-        <dsp:cNvPr id="0" name=""/>
-        <dsp:cNvSpPr/>
-      </dsp:nvSpPr>
-      <dsp:spPr>
-        <a:xfrm>
-          <a:off x="0" y="549165"/>
-          <a:ext cx="8239729" cy="732220"/>
-        </a:xfrm>
-        <a:prstGeom prst="notchedRightArrow">
-          <a:avLst/>
-        </a:prstGeom>
-        <a:solidFill>
-          <a:schemeClr val="accent1">
-            <a:tint val="40000"/>
-            <a:hueOff val="0"/>
-            <a:satOff val="0"/>
-            <a:lumOff val="0"/>
-            <a:alphaOff val="0"/>
-          </a:schemeClr>
-        </a:solidFill>
-        <a:ln>
-          <a:noFill/>
-        </a:ln>
-        <a:effectLst>
-          <a:outerShdw blurRad="63500" dist="25400" dir="5400000" rotWithShape="0">
-            <a:srgbClr val="000000">
-              <a:alpha val="60000"/>
-            </a:srgbClr>
-          </a:outerShdw>
-        </a:effectLst>
-      </dsp:spPr>
-      <dsp:style>
-        <a:lnRef idx="0">
-          <a:scrgbClr r="0" g="0" b="0"/>
-        </a:lnRef>
-        <a:fillRef idx="1">
-          <a:scrgbClr r="0" g="0" b="0"/>
-        </a:fillRef>
-        <a:effectRef idx="2">
-          <a:scrgbClr r="0" g="0" b="0"/>
-        </a:effectRef>
-        <a:fontRef idx="minor"/>
-      </dsp:style>
-    </dsp:sp>
-    <dsp:sp modelId="{2B0F6463-9E51-4CA4-8B07-436BBBDE4C4D}">
-      <dsp:nvSpPr>
-        <dsp:cNvPr id="0" name=""/>
-        <dsp:cNvSpPr/>
-      </dsp:nvSpPr>
-      <dsp:spPr>
-        <a:xfrm>
-          <a:off x="3523" y="0"/>
-          <a:ext cx="1926191" cy="732220"/>
-        </a:xfrm>
-        <a:prstGeom prst="rect">
-          <a:avLst/>
-        </a:prstGeom>
-        <a:noFill/>
-        <a:ln>
-          <a:noFill/>
-        </a:ln>
-        <a:effectLst/>
-      </dsp:spPr>
-      <dsp:style>
-        <a:lnRef idx="0">
-          <a:scrgbClr r="0" g="0" b="0"/>
-        </a:lnRef>
-        <a:fillRef idx="0">
-          <a:scrgbClr r="0" g="0" b="0"/>
-        </a:fillRef>
-        <a:effectRef idx="0">
-          <a:scrgbClr r="0" g="0" b="0"/>
-        </a:effectRef>
-        <a:fontRef idx="minor"/>
-      </dsp:style>
-      <dsp:txBody>
-        <a:bodyPr spcFirstLastPara="0" vert="horz" wrap="square" lIns="113792" tIns="113792" rIns="113792" bIns="113792" numCol="1" spcCol="1270" anchor="b" anchorCtr="0">
-          <a:noAutofit/>
-        </a:bodyPr>
-        <a:lstStyle/>
-        <a:p>
-          <a:pPr lvl="0" algn="ctr" defTabSz="711200">
-            <a:lnSpc>
-              <a:spcPct val="90000"/>
-            </a:lnSpc>
-            <a:spcBef>
-              <a:spcPct val="0"/>
-            </a:spcBef>
-            <a:spcAft>
-              <a:spcPct val="35000"/>
-            </a:spcAft>
-          </a:pPr>
-          <a:r>
-            <a:rPr lang="en-US" sz="1600" kern="1200" smtClean="0">
-              <a:latin typeface="Comic Sans MS" panose="030F0702030302020204" pitchFamily="66" charset="0"/>
-            </a:rPr>
-            <a:t>Asymptomatic</a:t>
-          </a:r>
-          <a:endParaRPr lang="en-US" sz="1600" kern="1200" dirty="0">
-            <a:latin typeface="Comic Sans MS" panose="030F0702030302020204" pitchFamily="66" charset="0"/>
-          </a:endParaRPr>
-        </a:p>
-      </dsp:txBody>
-      <dsp:txXfrm>
-        <a:off x="3523" y="0"/>
-        <a:ext cx="1926191" cy="732220"/>
-      </dsp:txXfrm>
-    </dsp:sp>
-    <dsp:sp modelId="{42A0B92F-7274-472B-9D10-0E32D08C1A7C}">
-      <dsp:nvSpPr>
-        <dsp:cNvPr id="0" name=""/>
-        <dsp:cNvSpPr/>
-      </dsp:nvSpPr>
-      <dsp:spPr>
-        <a:xfrm>
-          <a:off x="875091" y="823748"/>
-          <a:ext cx="183055" cy="183055"/>
-        </a:xfrm>
-        <a:prstGeom prst="ellipse">
-          <a:avLst/>
-        </a:prstGeom>
-        <a:gradFill rotWithShape="0">
-          <a:gsLst>
-            <a:gs pos="0">
-              <a:schemeClr val="accent1">
-                <a:hueOff val="0"/>
-                <a:satOff val="0"/>
-                <a:lumOff val="0"/>
-                <a:alphaOff val="0"/>
-                <a:tint val="96000"/>
-                <a:lumMod val="104000"/>
-              </a:schemeClr>
-            </a:gs>
-            <a:gs pos="100000">
-              <a:schemeClr val="accent1">
-                <a:hueOff val="0"/>
-                <a:satOff val="0"/>
-                <a:lumOff val="0"/>
-                <a:alphaOff val="0"/>
-                <a:shade val="90000"/>
-                <a:lumMod val="90000"/>
-              </a:schemeClr>
-            </a:gs>
-          </a:gsLst>
-          <a:lin ang="5400000" scaled="0"/>
-        </a:gradFill>
-        <a:ln>
-          <a:noFill/>
-        </a:ln>
-        <a:effectLst>
-          <a:outerShdw blurRad="63500" dist="25400" dir="5400000" rotWithShape="0">
-            <a:srgbClr val="000000">
-              <a:alpha val="60000"/>
-            </a:srgbClr>
-          </a:outerShdw>
-        </a:effectLst>
-      </dsp:spPr>
-      <dsp:style>
-        <a:lnRef idx="0">
-          <a:scrgbClr r="0" g="0" b="0"/>
-        </a:lnRef>
-        <a:fillRef idx="3">
-          <a:scrgbClr r="0" g="0" b="0"/>
-        </a:fillRef>
-        <a:effectRef idx="2">
-          <a:scrgbClr r="0" g="0" b="0"/>
-        </a:effectRef>
-        <a:fontRef idx="minor">
-          <a:schemeClr val="lt1"/>
-        </a:fontRef>
-      </dsp:style>
-    </dsp:sp>
-    <dsp:sp modelId="{759FF979-C43E-4716-AB91-39C34693DC3E}">
-      <dsp:nvSpPr>
-        <dsp:cNvPr id="0" name=""/>
-        <dsp:cNvSpPr/>
-      </dsp:nvSpPr>
-      <dsp:spPr>
-        <a:xfrm>
-          <a:off x="1994982" y="1098331"/>
-          <a:ext cx="1305361" cy="732220"/>
-        </a:xfrm>
-        <a:prstGeom prst="rect">
-          <a:avLst/>
-        </a:prstGeom>
-        <a:noFill/>
-        <a:ln>
-          <a:noFill/>
-        </a:ln>
-        <a:effectLst/>
-      </dsp:spPr>
-      <dsp:style>
-        <a:lnRef idx="0">
-          <a:scrgbClr r="0" g="0" b="0"/>
-        </a:lnRef>
-        <a:fillRef idx="0">
-          <a:scrgbClr r="0" g="0" b="0"/>
-        </a:fillRef>
-        <a:effectRef idx="0">
-          <a:scrgbClr r="0" g="0" b="0"/>
-        </a:effectRef>
-        <a:fontRef idx="minor"/>
-      </dsp:style>
-      <dsp:txBody>
-        <a:bodyPr spcFirstLastPara="0" vert="horz" wrap="square" lIns="113792" tIns="113792" rIns="113792" bIns="113792" numCol="1" spcCol="1270" anchor="t" anchorCtr="0">
-          <a:noAutofit/>
-        </a:bodyPr>
-        <a:lstStyle/>
-        <a:p>
-          <a:pPr lvl="0" algn="ctr" defTabSz="711200">
-            <a:lnSpc>
-              <a:spcPct val="90000"/>
-            </a:lnSpc>
-            <a:spcBef>
-              <a:spcPct val="0"/>
-            </a:spcBef>
-            <a:spcAft>
-              <a:spcPct val="35000"/>
-            </a:spcAft>
-          </a:pPr>
-          <a:r>
-            <a:rPr lang="en-US" sz="1600" kern="1200" smtClean="0">
-              <a:latin typeface="Comic Sans MS" panose="030F0702030302020204" pitchFamily="66" charset="0"/>
-            </a:rPr>
-            <a:t>Mild</a:t>
-          </a:r>
-          <a:endParaRPr lang="en-US" sz="1600" kern="1200" dirty="0">
-            <a:latin typeface="Comic Sans MS" panose="030F0702030302020204" pitchFamily="66" charset="0"/>
-          </a:endParaRPr>
-        </a:p>
-      </dsp:txBody>
-      <dsp:txXfrm>
-        <a:off x="1994982" y="1098331"/>
-        <a:ext cx="1305361" cy="732220"/>
-      </dsp:txXfrm>
-    </dsp:sp>
-    <dsp:sp modelId="{EDA0742E-D8FF-4E20-9E06-F90F5A108642}">
-      <dsp:nvSpPr>
-        <dsp:cNvPr id="0" name=""/>
-        <dsp:cNvSpPr/>
-      </dsp:nvSpPr>
-      <dsp:spPr>
-        <a:xfrm>
-          <a:off x="2556135" y="823748"/>
-          <a:ext cx="183055" cy="183055"/>
-        </a:xfrm>
-        <a:prstGeom prst="ellipse">
-          <a:avLst/>
-        </a:prstGeom>
-        <a:gradFill rotWithShape="0">
-          <a:gsLst>
-            <a:gs pos="0">
-              <a:schemeClr val="accent1">
-                <a:hueOff val="0"/>
-                <a:satOff val="0"/>
-                <a:lumOff val="0"/>
-                <a:alphaOff val="0"/>
-                <a:tint val="96000"/>
-                <a:lumMod val="104000"/>
-              </a:schemeClr>
-            </a:gs>
-            <a:gs pos="100000">
-              <a:schemeClr val="accent1">
-                <a:hueOff val="0"/>
-                <a:satOff val="0"/>
-                <a:lumOff val="0"/>
-                <a:alphaOff val="0"/>
-                <a:shade val="90000"/>
-                <a:lumMod val="90000"/>
-              </a:schemeClr>
-            </a:gs>
-          </a:gsLst>
-          <a:lin ang="5400000" scaled="0"/>
-        </a:gradFill>
-        <a:ln>
-          <a:noFill/>
-        </a:ln>
-        <a:effectLst>
-          <a:outerShdw blurRad="63500" dist="25400" dir="5400000" rotWithShape="0">
-            <a:srgbClr val="000000">
-              <a:alpha val="60000"/>
-            </a:srgbClr>
-          </a:outerShdw>
-        </a:effectLst>
-      </dsp:spPr>
-      <dsp:style>
-        <a:lnRef idx="0">
-          <a:scrgbClr r="0" g="0" b="0"/>
-        </a:lnRef>
-        <a:fillRef idx="3">
-          <a:scrgbClr r="0" g="0" b="0"/>
-        </a:fillRef>
-        <a:effectRef idx="2">
-          <a:scrgbClr r="0" g="0" b="0"/>
-        </a:effectRef>
-        <a:fontRef idx="minor">
-          <a:schemeClr val="lt1"/>
-        </a:fontRef>
-      </dsp:style>
-    </dsp:sp>
-    <dsp:sp modelId="{64E40F09-E776-4E14-9C82-37ACEC3C9033}">
-      <dsp:nvSpPr>
-        <dsp:cNvPr id="0" name=""/>
-        <dsp:cNvSpPr/>
-      </dsp:nvSpPr>
-      <dsp:spPr>
-        <a:xfrm>
-          <a:off x="3365612" y="0"/>
-          <a:ext cx="1305361" cy="732220"/>
-        </a:xfrm>
-        <a:prstGeom prst="rect">
-          <a:avLst/>
-        </a:prstGeom>
-        <a:noFill/>
-        <a:ln>
-          <a:noFill/>
-        </a:ln>
-        <a:effectLst/>
-      </dsp:spPr>
-      <dsp:style>
-        <a:lnRef idx="0">
-          <a:scrgbClr r="0" g="0" b="0"/>
-        </a:lnRef>
-        <a:fillRef idx="0">
-          <a:scrgbClr r="0" g="0" b="0"/>
-        </a:fillRef>
-        <a:effectRef idx="0">
-          <a:scrgbClr r="0" g="0" b="0"/>
-        </a:effectRef>
-        <a:fontRef idx="minor"/>
-      </dsp:style>
-      <dsp:txBody>
-        <a:bodyPr spcFirstLastPara="0" vert="horz" wrap="square" lIns="113792" tIns="113792" rIns="113792" bIns="113792" numCol="1" spcCol="1270" anchor="b" anchorCtr="0">
-          <a:noAutofit/>
-        </a:bodyPr>
-        <a:lstStyle/>
-        <a:p>
-          <a:pPr lvl="0" algn="ctr" defTabSz="711200">
-            <a:lnSpc>
-              <a:spcPct val="90000"/>
-            </a:lnSpc>
-            <a:spcBef>
-              <a:spcPct val="0"/>
-            </a:spcBef>
-            <a:spcAft>
-              <a:spcPct val="35000"/>
-            </a:spcAft>
-          </a:pPr>
-          <a:r>
-            <a:rPr lang="en-US" sz="1600" kern="1200" smtClean="0">
-              <a:latin typeface="Comic Sans MS" panose="030F0702030302020204" pitchFamily="66" charset="0"/>
-            </a:rPr>
-            <a:t>Moderate</a:t>
-          </a:r>
-          <a:endParaRPr lang="en-US" sz="1600" kern="1200" dirty="0">
-            <a:latin typeface="Comic Sans MS" panose="030F0702030302020204" pitchFamily="66" charset="0"/>
-          </a:endParaRPr>
-        </a:p>
-      </dsp:txBody>
-      <dsp:txXfrm>
-        <a:off x="3365612" y="0"/>
-        <a:ext cx="1305361" cy="732220"/>
-      </dsp:txXfrm>
-    </dsp:sp>
-    <dsp:sp modelId="{8E31A507-35E1-4B96-9B2E-2A8A57B5341B}">
-      <dsp:nvSpPr>
-        <dsp:cNvPr id="0" name=""/>
-        <dsp:cNvSpPr/>
-      </dsp:nvSpPr>
-      <dsp:spPr>
-        <a:xfrm>
-          <a:off x="3926765" y="823748"/>
-          <a:ext cx="183055" cy="183055"/>
-        </a:xfrm>
-        <a:prstGeom prst="ellipse">
-          <a:avLst/>
-        </a:prstGeom>
-        <a:gradFill rotWithShape="0">
-          <a:gsLst>
-            <a:gs pos="0">
-              <a:schemeClr val="accent1">
-                <a:hueOff val="0"/>
-                <a:satOff val="0"/>
-                <a:lumOff val="0"/>
-                <a:alphaOff val="0"/>
-                <a:tint val="96000"/>
-                <a:lumMod val="104000"/>
-              </a:schemeClr>
-            </a:gs>
-            <a:gs pos="100000">
-              <a:schemeClr val="accent1">
-                <a:hueOff val="0"/>
-                <a:satOff val="0"/>
-                <a:lumOff val="0"/>
-                <a:alphaOff val="0"/>
-                <a:shade val="90000"/>
-                <a:lumMod val="90000"/>
-              </a:schemeClr>
-            </a:gs>
-          </a:gsLst>
-          <a:lin ang="5400000" scaled="0"/>
-        </a:gradFill>
-        <a:ln>
-          <a:noFill/>
-        </a:ln>
-        <a:effectLst>
-          <a:outerShdw blurRad="63500" dist="25400" dir="5400000" rotWithShape="0">
-            <a:srgbClr val="000000">
-              <a:alpha val="60000"/>
-            </a:srgbClr>
-          </a:outerShdw>
-        </a:effectLst>
-      </dsp:spPr>
-      <dsp:style>
-        <a:lnRef idx="0">
-          <a:scrgbClr r="0" g="0" b="0"/>
-        </a:lnRef>
-        <a:fillRef idx="3">
-          <a:scrgbClr r="0" g="0" b="0"/>
-        </a:fillRef>
-        <a:effectRef idx="2">
-          <a:scrgbClr r="0" g="0" b="0"/>
-        </a:effectRef>
-        <a:fontRef idx="minor">
-          <a:schemeClr val="lt1"/>
-        </a:fontRef>
-      </dsp:style>
-    </dsp:sp>
-    <dsp:sp modelId="{CB17EA07-DDE7-4843-A933-C77DA3CAA0F9}">
-      <dsp:nvSpPr>
-        <dsp:cNvPr id="0" name=""/>
-        <dsp:cNvSpPr/>
-      </dsp:nvSpPr>
-      <dsp:spPr>
-        <a:xfrm>
-          <a:off x="4736241" y="1098331"/>
-          <a:ext cx="1305361" cy="732220"/>
-        </a:xfrm>
-        <a:prstGeom prst="rect">
-          <a:avLst/>
-        </a:prstGeom>
-        <a:noFill/>
-        <a:ln>
-          <a:noFill/>
-        </a:ln>
-        <a:effectLst/>
-      </dsp:spPr>
-      <dsp:style>
-        <a:lnRef idx="0">
-          <a:scrgbClr r="0" g="0" b="0"/>
-        </a:lnRef>
-        <a:fillRef idx="0">
-          <a:scrgbClr r="0" g="0" b="0"/>
-        </a:fillRef>
-        <a:effectRef idx="0">
-          <a:scrgbClr r="0" g="0" b="0"/>
-        </a:effectRef>
-        <a:fontRef idx="minor"/>
-      </dsp:style>
-      <dsp:txBody>
-        <a:bodyPr spcFirstLastPara="0" vert="horz" wrap="square" lIns="113792" tIns="113792" rIns="113792" bIns="113792" numCol="1" spcCol="1270" anchor="t" anchorCtr="0">
-          <a:noAutofit/>
-        </a:bodyPr>
-        <a:lstStyle/>
-        <a:p>
-          <a:pPr lvl="0" algn="ctr" defTabSz="711200">
-            <a:lnSpc>
-              <a:spcPct val="90000"/>
-            </a:lnSpc>
-            <a:spcBef>
-              <a:spcPct val="0"/>
-            </a:spcBef>
-            <a:spcAft>
-              <a:spcPct val="35000"/>
-            </a:spcAft>
-          </a:pPr>
-          <a:r>
-            <a:rPr lang="en-US" sz="1600" kern="1200" smtClean="0">
-              <a:latin typeface="Comic Sans MS" panose="030F0702030302020204" pitchFamily="66" charset="0"/>
-            </a:rPr>
-            <a:t>Severe</a:t>
-          </a:r>
-          <a:endParaRPr lang="en-US" sz="1600" kern="1200" dirty="0" smtClean="0">
-            <a:latin typeface="Comic Sans MS" panose="030F0702030302020204" pitchFamily="66" charset="0"/>
-          </a:endParaRPr>
-        </a:p>
-      </dsp:txBody>
-      <dsp:txXfrm>
-        <a:off x="4736241" y="1098331"/>
-        <a:ext cx="1305361" cy="732220"/>
-      </dsp:txXfrm>
-    </dsp:sp>
-    <dsp:sp modelId="{20607112-44C6-46FD-9CC5-7DD6007B1BA3}">
-      <dsp:nvSpPr>
-        <dsp:cNvPr id="0" name=""/>
-        <dsp:cNvSpPr/>
-      </dsp:nvSpPr>
-      <dsp:spPr>
-        <a:xfrm>
-          <a:off x="5297394" y="823748"/>
-          <a:ext cx="183055" cy="183055"/>
-        </a:xfrm>
-        <a:prstGeom prst="ellipse">
-          <a:avLst/>
-        </a:prstGeom>
-        <a:gradFill rotWithShape="0">
-          <a:gsLst>
-            <a:gs pos="0">
-              <a:schemeClr val="accent1">
-                <a:hueOff val="0"/>
-                <a:satOff val="0"/>
-                <a:lumOff val="0"/>
-                <a:alphaOff val="0"/>
-                <a:tint val="96000"/>
-                <a:lumMod val="104000"/>
-              </a:schemeClr>
-            </a:gs>
-            <a:gs pos="100000">
-              <a:schemeClr val="accent1">
-                <a:hueOff val="0"/>
-                <a:satOff val="0"/>
-                <a:lumOff val="0"/>
-                <a:alphaOff val="0"/>
-                <a:shade val="90000"/>
-                <a:lumMod val="90000"/>
-              </a:schemeClr>
-            </a:gs>
-          </a:gsLst>
-          <a:lin ang="5400000" scaled="0"/>
-        </a:gradFill>
-        <a:ln>
-          <a:noFill/>
-        </a:ln>
-        <a:effectLst>
-          <a:outerShdw blurRad="63500" dist="25400" dir="5400000" rotWithShape="0">
-            <a:srgbClr val="000000">
-              <a:alpha val="60000"/>
-            </a:srgbClr>
-          </a:outerShdw>
-        </a:effectLst>
-      </dsp:spPr>
-      <dsp:style>
-        <a:lnRef idx="0">
-          <a:scrgbClr r="0" g="0" b="0"/>
-        </a:lnRef>
-        <a:fillRef idx="3">
-          <a:scrgbClr r="0" g="0" b="0"/>
-        </a:fillRef>
-        <a:effectRef idx="2">
-          <a:scrgbClr r="0" g="0" b="0"/>
-        </a:effectRef>
-        <a:fontRef idx="minor">
-          <a:schemeClr val="lt1"/>
-        </a:fontRef>
-      </dsp:style>
-    </dsp:sp>
-    <dsp:sp modelId="{531391CD-B967-495E-B421-990C29B9106A}">
-      <dsp:nvSpPr>
-        <dsp:cNvPr id="0" name=""/>
-        <dsp:cNvSpPr/>
-      </dsp:nvSpPr>
-      <dsp:spPr>
-        <a:xfrm>
-          <a:off x="6106871" y="0"/>
-          <a:ext cx="1305361" cy="732220"/>
-        </a:xfrm>
-        <a:prstGeom prst="rect">
-          <a:avLst/>
-        </a:prstGeom>
-        <a:noFill/>
-        <a:ln>
-          <a:noFill/>
-        </a:ln>
-        <a:effectLst/>
-      </dsp:spPr>
-      <dsp:style>
-        <a:lnRef idx="0">
-          <a:scrgbClr r="0" g="0" b="0"/>
-        </a:lnRef>
-        <a:fillRef idx="0">
-          <a:scrgbClr r="0" g="0" b="0"/>
-        </a:fillRef>
-        <a:effectRef idx="0">
-          <a:scrgbClr r="0" g="0" b="0"/>
-        </a:effectRef>
-        <a:fontRef idx="minor"/>
-      </dsp:style>
-      <dsp:txBody>
-        <a:bodyPr spcFirstLastPara="0" vert="horz" wrap="square" lIns="113792" tIns="113792" rIns="113792" bIns="113792" numCol="1" spcCol="1270" anchor="b" anchorCtr="0">
-          <a:noAutofit/>
-        </a:bodyPr>
-        <a:lstStyle/>
-        <a:p>
-          <a:pPr lvl="0" algn="ctr" defTabSz="711200">
-            <a:lnSpc>
-              <a:spcPct val="90000"/>
-            </a:lnSpc>
-            <a:spcBef>
-              <a:spcPct val="0"/>
-            </a:spcBef>
-            <a:spcAft>
-              <a:spcPct val="35000"/>
-            </a:spcAft>
-          </a:pPr>
-          <a:r>
-            <a:rPr lang="en-US" sz="1600" kern="1200" smtClean="0">
-              <a:latin typeface="Comic Sans MS" panose="030F0702030302020204" pitchFamily="66" charset="0"/>
-            </a:rPr>
-            <a:t>Critical</a:t>
-          </a:r>
-          <a:endParaRPr lang="en-US" sz="1600" kern="1200" dirty="0" smtClean="0">
-            <a:latin typeface="Comic Sans MS" panose="030F0702030302020204" pitchFamily="66" charset="0"/>
-          </a:endParaRPr>
-        </a:p>
-      </dsp:txBody>
-      <dsp:txXfrm>
-        <a:off x="6106871" y="0"/>
-        <a:ext cx="1305361" cy="732220"/>
-      </dsp:txXfrm>
-    </dsp:sp>
-    <dsp:sp modelId="{3B581448-FF41-4AE9-9DDC-93E1146B727A}">
-      <dsp:nvSpPr>
-        <dsp:cNvPr id="0" name=""/>
-        <dsp:cNvSpPr/>
-      </dsp:nvSpPr>
-      <dsp:spPr>
-        <a:xfrm>
-          <a:off x="6668024" y="823748"/>
-          <a:ext cx="183055" cy="183055"/>
-        </a:xfrm>
-        <a:prstGeom prst="ellipse">
-          <a:avLst/>
-        </a:prstGeom>
-        <a:gradFill rotWithShape="0">
-          <a:gsLst>
-            <a:gs pos="0">
-              <a:schemeClr val="accent1">
-                <a:hueOff val="0"/>
-                <a:satOff val="0"/>
-                <a:lumOff val="0"/>
-                <a:alphaOff val="0"/>
-                <a:tint val="96000"/>
-                <a:lumMod val="104000"/>
-              </a:schemeClr>
-            </a:gs>
-            <a:gs pos="100000">
-              <a:schemeClr val="accent1">
-                <a:hueOff val="0"/>
-                <a:satOff val="0"/>
-                <a:lumOff val="0"/>
-                <a:alphaOff val="0"/>
-                <a:shade val="90000"/>
-                <a:lumMod val="90000"/>
-              </a:schemeClr>
-            </a:gs>
-          </a:gsLst>
-          <a:lin ang="5400000" scaled="0"/>
-        </a:gradFill>
-        <a:ln>
-          <a:noFill/>
-        </a:ln>
-        <a:effectLst>
-          <a:outerShdw blurRad="63500" dist="25400" dir="5400000" rotWithShape="0">
-            <a:srgbClr val="000000">
-              <a:alpha val="60000"/>
-            </a:srgbClr>
-          </a:outerShdw>
-        </a:effectLst>
-      </dsp:spPr>
-      <dsp:style>
-        <a:lnRef idx="0">
-          <a:scrgbClr r="0" g="0" b="0"/>
-        </a:lnRef>
-        <a:fillRef idx="3">
-          <a:scrgbClr r="0" g="0" b="0"/>
-        </a:fillRef>
-        <a:effectRef idx="2">
-          <a:scrgbClr r="0" g="0" b="0"/>
-        </a:effectRef>
-        <a:fontRef idx="minor">
-          <a:schemeClr val="lt1"/>
-        </a:fontRef>
-      </dsp:style>
-    </dsp:sp>
   </dsp:spTree>
 </dsp:drawing>
 </file>
@@ -5630,579 +5035,6 @@
       <dsp:cNvGrpSpPr/>
     </dsp:nvGrpSpPr>
     <dsp:grpSpPr/>
-    <dsp:sp modelId="{104923EC-F2D4-43FC-9983-98E180D68D1A}">
-      <dsp:nvSpPr>
-        <dsp:cNvPr id="0" name=""/>
-        <dsp:cNvSpPr/>
-      </dsp:nvSpPr>
-      <dsp:spPr>
-        <a:xfrm rot="5400000">
-          <a:off x="4447730" y="-1539229"/>
-          <a:ext cx="1414250" cy="4851628"/>
-        </a:xfrm>
-        <a:prstGeom prst="round2SameRect">
-          <a:avLst/>
-        </a:prstGeom>
-        <a:solidFill>
-          <a:schemeClr val="accent1">
-            <a:alpha val="90000"/>
-            <a:tint val="40000"/>
-            <a:hueOff val="0"/>
-            <a:satOff val="0"/>
-            <a:lumOff val="0"/>
-            <a:alphaOff val="0"/>
-          </a:schemeClr>
-        </a:solidFill>
-        <a:ln w="15875" cap="rnd" cmpd="sng" algn="ctr">
-          <a:solidFill>
-            <a:schemeClr val="accent1">
-              <a:alpha val="90000"/>
-              <a:tint val="40000"/>
-              <a:hueOff val="0"/>
-              <a:satOff val="0"/>
-              <a:lumOff val="0"/>
-              <a:alphaOff val="0"/>
-            </a:schemeClr>
-          </a:solidFill>
-          <a:prstDash val="solid"/>
-        </a:ln>
-        <a:effectLst/>
-      </dsp:spPr>
-      <dsp:style>
-        <a:lnRef idx="2">
-          <a:scrgbClr r="0" g="0" b="0"/>
-        </a:lnRef>
-        <a:fillRef idx="1">
-          <a:scrgbClr r="0" g="0" b="0"/>
-        </a:fillRef>
-        <a:effectRef idx="0">
-          <a:scrgbClr r="0" g="0" b="0"/>
-        </a:effectRef>
-        <a:fontRef idx="minor"/>
-      </dsp:style>
-      <dsp:txBody>
-        <a:bodyPr spcFirstLastPara="0" vert="horz" wrap="square" lIns="57150" tIns="28575" rIns="57150" bIns="28575" numCol="1" spcCol="1270" anchor="ctr" anchorCtr="0">
-          <a:noAutofit/>
-        </a:bodyPr>
-        <a:lstStyle/>
-        <a:p>
-          <a:pPr marL="114300" lvl="1" indent="-114300" algn="l" defTabSz="666750">
-            <a:lnSpc>
-              <a:spcPct val="90000"/>
-            </a:lnSpc>
-            <a:spcBef>
-              <a:spcPct val="0"/>
-            </a:spcBef>
-            <a:spcAft>
-              <a:spcPct val="15000"/>
-            </a:spcAft>
-            <a:buChar char="••"/>
-          </a:pPr>
-          <a:r>
-            <a:rPr lang="en-US" sz="1500" b="0" kern="1200" dirty="0" smtClean="0">
-              <a:solidFill>
-                <a:schemeClr val="bg2"/>
-              </a:solidFill>
-              <a:effectLst/>
-              <a:latin typeface="Comic Sans MS" panose="030F0702030302020204" pitchFamily="66" charset="0"/>
-            </a:rPr>
-            <a:t>Contain the disease spread quite quickly as seen in Singapore, for example where isolation and testing were put in place within a very short space of the infection being suspected as being present in the country.</a:t>
-          </a:r>
-          <a:endParaRPr lang="en-US" sz="1500" kern="1200" dirty="0"/>
-        </a:p>
-      </dsp:txBody>
-      <dsp:txXfrm rot="-5400000">
-        <a:off x="2729041" y="248498"/>
-        <a:ext cx="4782590" cy="1276174"/>
-      </dsp:txXfrm>
-    </dsp:sp>
-    <dsp:sp modelId="{19EA6067-79A1-4510-BE3F-5499576E62EA}">
-      <dsp:nvSpPr>
-        <dsp:cNvPr id="0" name=""/>
-        <dsp:cNvSpPr/>
-      </dsp:nvSpPr>
-      <dsp:spPr>
-        <a:xfrm>
-          <a:off x="0" y="2678"/>
-          <a:ext cx="2729041" cy="1767813"/>
-        </a:xfrm>
-        <a:prstGeom prst="roundRect">
-          <a:avLst/>
-        </a:prstGeom>
-        <a:solidFill>
-          <a:schemeClr val="accent1">
-            <a:hueOff val="0"/>
-            <a:satOff val="0"/>
-            <a:lumOff val="0"/>
-            <a:alphaOff val="0"/>
-          </a:schemeClr>
-        </a:solidFill>
-        <a:ln w="15875" cap="rnd" cmpd="sng" algn="ctr">
-          <a:solidFill>
-            <a:schemeClr val="lt1">
-              <a:hueOff val="0"/>
-              <a:satOff val="0"/>
-              <a:lumOff val="0"/>
-              <a:alphaOff val="0"/>
-            </a:schemeClr>
-          </a:solidFill>
-          <a:prstDash val="solid"/>
-        </a:ln>
-        <a:effectLst/>
-      </dsp:spPr>
-      <dsp:style>
-        <a:lnRef idx="2">
-          <a:scrgbClr r="0" g="0" b="0"/>
-        </a:lnRef>
-        <a:fillRef idx="1">
-          <a:scrgbClr r="0" g="0" b="0"/>
-        </a:fillRef>
-        <a:effectRef idx="0">
-          <a:scrgbClr r="0" g="0" b="0"/>
-        </a:effectRef>
-        <a:fontRef idx="minor">
-          <a:schemeClr val="lt1"/>
-        </a:fontRef>
-      </dsp:style>
-      <dsp:txBody>
-        <a:bodyPr spcFirstLastPara="0" vert="horz" wrap="square" lIns="45720" tIns="22860" rIns="45720" bIns="22860" numCol="1" spcCol="1270" anchor="ctr" anchorCtr="0">
-          <a:noAutofit/>
-        </a:bodyPr>
-        <a:lstStyle/>
-        <a:p>
-          <a:pPr lvl="0" algn="ctr" defTabSz="533400">
-            <a:lnSpc>
-              <a:spcPct val="90000"/>
-            </a:lnSpc>
-            <a:spcBef>
-              <a:spcPct val="0"/>
-            </a:spcBef>
-            <a:spcAft>
-              <a:spcPct val="35000"/>
-            </a:spcAft>
-          </a:pPr>
-          <a:r>
-            <a:rPr lang="en-US" sz="1200" b="0" kern="1200" dirty="0" smtClean="0">
-              <a:solidFill>
-                <a:schemeClr val="bg2"/>
-              </a:solidFill>
-              <a:effectLst/>
-              <a:latin typeface="Segoe Print" panose="02000600000000000000" pitchFamily="2" charset="0"/>
-            </a:rPr>
-            <a:t>Dental practices remain open but there are screening activities and additional cross-infection measures</a:t>
-          </a:r>
-          <a:endParaRPr lang="en-US" sz="1200" kern="1200" dirty="0"/>
-        </a:p>
-      </dsp:txBody>
-      <dsp:txXfrm>
-        <a:off x="86298" y="88976"/>
-        <a:ext cx="2556445" cy="1595217"/>
-      </dsp:txXfrm>
-    </dsp:sp>
-    <dsp:sp modelId="{C5A3C88B-98A9-4B72-9AC1-F8944FC8CB84}">
-      <dsp:nvSpPr>
-        <dsp:cNvPr id="0" name=""/>
-        <dsp:cNvSpPr/>
-      </dsp:nvSpPr>
-      <dsp:spPr>
-        <a:xfrm rot="5400000">
-          <a:off x="4447730" y="316975"/>
-          <a:ext cx="1414250" cy="4851628"/>
-        </a:xfrm>
-        <a:prstGeom prst="round2SameRect">
-          <a:avLst/>
-        </a:prstGeom>
-        <a:solidFill>
-          <a:schemeClr val="accent1">
-            <a:alpha val="90000"/>
-            <a:tint val="40000"/>
-            <a:hueOff val="0"/>
-            <a:satOff val="0"/>
-            <a:lumOff val="0"/>
-            <a:alphaOff val="0"/>
-          </a:schemeClr>
-        </a:solidFill>
-        <a:ln w="15875" cap="rnd" cmpd="sng" algn="ctr">
-          <a:solidFill>
-            <a:schemeClr val="accent1">
-              <a:alpha val="90000"/>
-              <a:tint val="40000"/>
-              <a:hueOff val="0"/>
-              <a:satOff val="0"/>
-              <a:lumOff val="0"/>
-              <a:alphaOff val="0"/>
-            </a:schemeClr>
-          </a:solidFill>
-          <a:prstDash val="solid"/>
-        </a:ln>
-        <a:effectLst/>
-      </dsp:spPr>
-      <dsp:style>
-        <a:lnRef idx="2">
-          <a:scrgbClr r="0" g="0" b="0"/>
-        </a:lnRef>
-        <a:fillRef idx="1">
-          <a:scrgbClr r="0" g="0" b="0"/>
-        </a:fillRef>
-        <a:effectRef idx="0">
-          <a:scrgbClr r="0" g="0" b="0"/>
-        </a:effectRef>
-        <a:fontRef idx="minor"/>
-      </dsp:style>
-      <dsp:txBody>
-        <a:bodyPr spcFirstLastPara="0" vert="horz" wrap="square" lIns="57150" tIns="28575" rIns="57150" bIns="28575" numCol="1" spcCol="1270" anchor="ctr" anchorCtr="0">
-          <a:noAutofit/>
-        </a:bodyPr>
-        <a:lstStyle/>
-        <a:p>
-          <a:pPr marL="114300" lvl="1" indent="-114300" algn="l" defTabSz="666750">
-            <a:lnSpc>
-              <a:spcPct val="90000"/>
-            </a:lnSpc>
-            <a:spcBef>
-              <a:spcPct val="0"/>
-            </a:spcBef>
-            <a:spcAft>
-              <a:spcPct val="15000"/>
-            </a:spcAft>
-            <a:buChar char="••"/>
-          </a:pPr>
-          <a:r>
-            <a:rPr lang="en-US" sz="1500" b="0" kern="1200" dirty="0" smtClean="0">
-              <a:solidFill>
-                <a:schemeClr val="bg2"/>
-              </a:solidFill>
-              <a:effectLst/>
-              <a:latin typeface="Comic Sans MS" panose="030F0702030302020204" pitchFamily="66" charset="0"/>
-            </a:rPr>
-            <a:t>Such as the UK, have all cases triaged by telephone and attending only for very basic treatment in designated </a:t>
-          </a:r>
-          <a:r>
-            <a:rPr lang="en-US" sz="1500" b="0" kern="1200" dirty="0" err="1" smtClean="0">
-              <a:solidFill>
-                <a:schemeClr val="bg2"/>
-              </a:solidFill>
-              <a:effectLst/>
-              <a:latin typeface="Comic Sans MS" panose="030F0702030302020204" pitchFamily="66" charset="0"/>
-            </a:rPr>
-            <a:t>centres</a:t>
-          </a:r>
-          <a:endParaRPr lang="en-US" sz="1500" kern="1200" dirty="0"/>
-        </a:p>
-      </dsp:txBody>
-      <dsp:txXfrm rot="-5400000">
-        <a:off x="2729041" y="2104702"/>
-        <a:ext cx="4782590" cy="1276174"/>
-      </dsp:txXfrm>
-    </dsp:sp>
-    <dsp:sp modelId="{9BA22C09-BA26-42CE-8D30-B25D14E3C8F3}">
-      <dsp:nvSpPr>
-        <dsp:cNvPr id="0" name=""/>
-        <dsp:cNvSpPr/>
-      </dsp:nvSpPr>
-      <dsp:spPr>
-        <a:xfrm>
-          <a:off x="0" y="1858882"/>
-          <a:ext cx="2729041" cy="1767813"/>
-        </a:xfrm>
-        <a:prstGeom prst="roundRect">
-          <a:avLst/>
-        </a:prstGeom>
-        <a:solidFill>
-          <a:schemeClr val="accent1">
-            <a:hueOff val="0"/>
-            <a:satOff val="0"/>
-            <a:lumOff val="0"/>
-            <a:alphaOff val="0"/>
-          </a:schemeClr>
-        </a:solidFill>
-        <a:ln w="15875" cap="rnd" cmpd="sng" algn="ctr">
-          <a:solidFill>
-            <a:schemeClr val="lt1">
-              <a:hueOff val="0"/>
-              <a:satOff val="0"/>
-              <a:lumOff val="0"/>
-              <a:alphaOff val="0"/>
-            </a:schemeClr>
-          </a:solidFill>
-          <a:prstDash val="solid"/>
-        </a:ln>
-        <a:effectLst/>
-      </dsp:spPr>
-      <dsp:style>
-        <a:lnRef idx="2">
-          <a:scrgbClr r="0" g="0" b="0"/>
-        </a:lnRef>
-        <a:fillRef idx="1">
-          <a:scrgbClr r="0" g="0" b="0"/>
-        </a:fillRef>
-        <a:effectRef idx="0">
-          <a:scrgbClr r="0" g="0" b="0"/>
-        </a:effectRef>
-        <a:fontRef idx="minor">
-          <a:schemeClr val="lt1"/>
-        </a:fontRef>
-      </dsp:style>
-      <dsp:txBody>
-        <a:bodyPr spcFirstLastPara="0" vert="horz" wrap="square" lIns="45720" tIns="22860" rIns="45720" bIns="22860" numCol="1" spcCol="1270" anchor="ctr" anchorCtr="0">
-          <a:noAutofit/>
-        </a:bodyPr>
-        <a:lstStyle/>
-        <a:p>
-          <a:pPr lvl="0" algn="ctr" defTabSz="533400">
-            <a:lnSpc>
-              <a:spcPct val="90000"/>
-            </a:lnSpc>
-            <a:spcBef>
-              <a:spcPct val="0"/>
-            </a:spcBef>
-            <a:spcAft>
-              <a:spcPct val="35000"/>
-            </a:spcAft>
-          </a:pPr>
-          <a:r>
-            <a:rPr lang="en-US" sz="1200" b="0" kern="1200" dirty="0" smtClean="0">
-              <a:solidFill>
-                <a:schemeClr val="bg2"/>
-              </a:solidFill>
-              <a:effectLst/>
-              <a:latin typeface="Segoe Print" panose="02000600000000000000" pitchFamily="2" charset="0"/>
-            </a:rPr>
-            <a:t>Closed all dental practices</a:t>
-          </a:r>
-          <a:endParaRPr lang="en-US" sz="1200" kern="1200" dirty="0"/>
-        </a:p>
-      </dsp:txBody>
-      <dsp:txXfrm>
-        <a:off x="86298" y="1945180"/>
-        <a:ext cx="2556445" cy="1595217"/>
-      </dsp:txXfrm>
-    </dsp:sp>
-    <dsp:sp modelId="{498619B9-E1DA-445D-B357-A0DD4EC5D019}">
-      <dsp:nvSpPr>
-        <dsp:cNvPr id="0" name=""/>
-        <dsp:cNvSpPr/>
-      </dsp:nvSpPr>
-      <dsp:spPr>
-        <a:xfrm rot="5400000">
-          <a:off x="4447730" y="2173179"/>
-          <a:ext cx="1414250" cy="4851628"/>
-        </a:xfrm>
-        <a:prstGeom prst="round2SameRect">
-          <a:avLst/>
-        </a:prstGeom>
-        <a:solidFill>
-          <a:schemeClr val="accent1">
-            <a:alpha val="90000"/>
-            <a:tint val="40000"/>
-            <a:hueOff val="0"/>
-            <a:satOff val="0"/>
-            <a:lumOff val="0"/>
-            <a:alphaOff val="0"/>
-          </a:schemeClr>
-        </a:solidFill>
-        <a:ln w="15875" cap="rnd" cmpd="sng" algn="ctr">
-          <a:solidFill>
-            <a:schemeClr val="accent1">
-              <a:alpha val="90000"/>
-              <a:tint val="40000"/>
-              <a:hueOff val="0"/>
-              <a:satOff val="0"/>
-              <a:lumOff val="0"/>
-              <a:alphaOff val="0"/>
-            </a:schemeClr>
-          </a:solidFill>
-          <a:prstDash val="solid"/>
-        </a:ln>
-        <a:effectLst/>
-      </dsp:spPr>
-      <dsp:style>
-        <a:lnRef idx="2">
-          <a:scrgbClr r="0" g="0" b="0"/>
-        </a:lnRef>
-        <a:fillRef idx="1">
-          <a:scrgbClr r="0" g="0" b="0"/>
-        </a:fillRef>
-        <a:effectRef idx="0">
-          <a:scrgbClr r="0" g="0" b="0"/>
-        </a:effectRef>
-        <a:fontRef idx="minor"/>
-      </dsp:style>
-      <dsp:txBody>
-        <a:bodyPr spcFirstLastPara="0" vert="horz" wrap="square" lIns="57150" tIns="28575" rIns="57150" bIns="28575" numCol="1" spcCol="1270" anchor="ctr" anchorCtr="0">
-          <a:noAutofit/>
-        </a:bodyPr>
-        <a:lstStyle/>
-        <a:p>
-          <a:pPr marL="114300" lvl="1" indent="-114300" algn="l" defTabSz="666750">
-            <a:lnSpc>
-              <a:spcPct val="90000"/>
-            </a:lnSpc>
-            <a:spcBef>
-              <a:spcPct val="0"/>
-            </a:spcBef>
-            <a:spcAft>
-              <a:spcPct val="15000"/>
-            </a:spcAft>
-            <a:buChar char="••"/>
-          </a:pPr>
-          <a:r>
-            <a:rPr lang="en-US" sz="1500" kern="1200" dirty="0" smtClean="0"/>
-            <a:t>In Brazil, The National Health Surveillance Agency (ANVISA)</a:t>
-          </a:r>
-          <a:endParaRPr lang="en-US" sz="1500" kern="1200" dirty="0"/>
-        </a:p>
-      </dsp:txBody>
-      <dsp:txXfrm rot="-5400000">
-        <a:off x="2729041" y="3960906"/>
-        <a:ext cx="4782590" cy="1276174"/>
-      </dsp:txXfrm>
-    </dsp:sp>
-    <dsp:sp modelId="{BE344FF2-8B9B-4EB1-B336-AD0A8FB1FA64}">
-      <dsp:nvSpPr>
-        <dsp:cNvPr id="0" name=""/>
-        <dsp:cNvSpPr/>
-      </dsp:nvSpPr>
-      <dsp:spPr>
-        <a:xfrm>
-          <a:off x="0" y="3715086"/>
-          <a:ext cx="2729041" cy="1767813"/>
-        </a:xfrm>
-        <a:prstGeom prst="roundRect">
-          <a:avLst/>
-        </a:prstGeom>
-        <a:solidFill>
-          <a:schemeClr val="accent1">
-            <a:hueOff val="0"/>
-            <a:satOff val="0"/>
-            <a:lumOff val="0"/>
-            <a:alphaOff val="0"/>
-          </a:schemeClr>
-        </a:solidFill>
-        <a:ln w="15875" cap="rnd" cmpd="sng" algn="ctr">
-          <a:solidFill>
-            <a:schemeClr val="lt1">
-              <a:hueOff val="0"/>
-              <a:satOff val="0"/>
-              <a:lumOff val="0"/>
-              <a:alphaOff val="0"/>
-            </a:schemeClr>
-          </a:solidFill>
-          <a:prstDash val="solid"/>
-        </a:ln>
-        <a:effectLst/>
-      </dsp:spPr>
-      <dsp:style>
-        <a:lnRef idx="2">
-          <a:scrgbClr r="0" g="0" b="0"/>
-        </a:lnRef>
-        <a:fillRef idx="1">
-          <a:scrgbClr r="0" g="0" b="0"/>
-        </a:fillRef>
-        <a:effectRef idx="0">
-          <a:scrgbClr r="0" g="0" b="0"/>
-        </a:effectRef>
-        <a:fontRef idx="minor">
-          <a:schemeClr val="lt1"/>
-        </a:fontRef>
-      </dsp:style>
-      <dsp:txBody>
-        <a:bodyPr spcFirstLastPara="0" vert="horz" wrap="square" lIns="45720" tIns="22860" rIns="45720" bIns="22860" numCol="1" spcCol="1270" anchor="ctr" anchorCtr="0">
-          <a:noAutofit/>
-        </a:bodyPr>
-        <a:lstStyle/>
-        <a:p>
-          <a:pPr lvl="0" algn="ctr" defTabSz="533400">
-            <a:lnSpc>
-              <a:spcPct val="90000"/>
-            </a:lnSpc>
-            <a:spcBef>
-              <a:spcPct val="0"/>
-            </a:spcBef>
-            <a:spcAft>
-              <a:spcPct val="35000"/>
-            </a:spcAft>
-          </a:pPr>
-          <a:r>
-            <a:rPr lang="en-US" sz="1200" kern="1200" dirty="0" smtClean="0"/>
-            <a:t>only emergency</a:t>
-          </a:r>
-        </a:p>
-        <a:p>
-          <a:pPr lvl="0" algn="ctr" defTabSz="533400">
-            <a:lnSpc>
-              <a:spcPct val="90000"/>
-            </a:lnSpc>
-            <a:spcBef>
-              <a:spcPct val="0"/>
-            </a:spcBef>
-            <a:spcAft>
-              <a:spcPct val="35000"/>
-            </a:spcAft>
-          </a:pPr>
-          <a:r>
-            <a:rPr lang="en-US" sz="1200" kern="1200" dirty="0" smtClean="0"/>
-            <a:t>and urgent dental care should be performed (from 20 March</a:t>
-          </a:r>
-        </a:p>
-        <a:p>
-          <a:pPr lvl="0" algn="ctr" defTabSz="533400">
-            <a:lnSpc>
-              <a:spcPct val="90000"/>
-            </a:lnSpc>
-            <a:spcBef>
-              <a:spcPct val="0"/>
-            </a:spcBef>
-            <a:spcAft>
-              <a:spcPct val="35000"/>
-            </a:spcAft>
-          </a:pPr>
-          <a:r>
-            <a:rPr lang="en-US" sz="1200" kern="1200" dirty="0" smtClean="0"/>
-            <a:t>2020), and all private offices have to stop elective treatments.</a:t>
-          </a:r>
-        </a:p>
-        <a:p>
-          <a:pPr lvl="0" algn="ctr" defTabSz="533400">
-            <a:lnSpc>
-              <a:spcPct val="90000"/>
-            </a:lnSpc>
-            <a:spcBef>
-              <a:spcPct val="0"/>
-            </a:spcBef>
-            <a:spcAft>
-              <a:spcPct val="35000"/>
-            </a:spcAft>
-          </a:pPr>
-          <a:r>
-            <a:rPr lang="en-US" sz="1200" kern="1200" dirty="0" smtClean="0"/>
-            <a:t>Dental professionals (primary and secondary care) that work</a:t>
-          </a:r>
-        </a:p>
-        <a:p>
-          <a:pPr lvl="0" algn="ctr" defTabSz="533400">
-            <a:lnSpc>
-              <a:spcPct val="90000"/>
-            </a:lnSpc>
-            <a:spcBef>
-              <a:spcPct val="0"/>
-            </a:spcBef>
-            <a:spcAft>
-              <a:spcPct val="35000"/>
-            </a:spcAft>
-          </a:pPr>
-          <a:r>
-            <a:rPr lang="en-US" sz="1200" kern="1200" dirty="0" smtClean="0"/>
-            <a:t>for the National Health Service (SUS)</a:t>
-          </a:r>
-          <a:endParaRPr lang="en-US" sz="1200" kern="1200" dirty="0"/>
-        </a:p>
-      </dsp:txBody>
-      <dsp:txXfrm>
-        <a:off x="86298" y="3801384"/>
-        <a:ext cx="2556445" cy="1595217"/>
-      </dsp:txXfrm>
-    </dsp:sp>
   </dsp:spTree>
 </dsp:drawing>
 </file>
@@ -6215,493 +5047,6 @@
       <dsp:cNvGrpSpPr/>
     </dsp:nvGrpSpPr>
     <dsp:grpSpPr/>
-    <dsp:sp modelId="{C266C355-813C-4B27-910A-3B63E5770728}">
-      <dsp:nvSpPr>
-        <dsp:cNvPr id="0" name=""/>
-        <dsp:cNvSpPr/>
-      </dsp:nvSpPr>
-      <dsp:spPr>
-        <a:xfrm>
-          <a:off x="5375445" y="742333"/>
-          <a:ext cx="1966423" cy="1966787"/>
-        </a:xfrm>
-        <a:prstGeom prst="ellipse">
-          <a:avLst/>
-        </a:prstGeom>
-        <a:solidFill>
-          <a:schemeClr val="accent1">
-            <a:hueOff val="0"/>
-            <a:satOff val="0"/>
-            <a:lumOff val="0"/>
-            <a:alphaOff val="0"/>
-          </a:schemeClr>
-        </a:solidFill>
-        <a:ln w="15875" cap="rnd" cmpd="sng" algn="ctr">
-          <a:solidFill>
-            <a:schemeClr val="lt1">
-              <a:hueOff val="0"/>
-              <a:satOff val="0"/>
-              <a:lumOff val="0"/>
-              <a:alphaOff val="0"/>
-            </a:schemeClr>
-          </a:solidFill>
-          <a:prstDash val="solid"/>
-        </a:ln>
-        <a:effectLst/>
-      </dsp:spPr>
-      <dsp:style>
-        <a:lnRef idx="2">
-          <a:scrgbClr r="0" g="0" b="0"/>
-        </a:lnRef>
-        <a:fillRef idx="1">
-          <a:scrgbClr r="0" g="0" b="0"/>
-        </a:fillRef>
-        <a:effectRef idx="0">
-          <a:scrgbClr r="0" g="0" b="0"/>
-        </a:effectRef>
-        <a:fontRef idx="minor">
-          <a:schemeClr val="lt1"/>
-        </a:fontRef>
-      </dsp:style>
-    </dsp:sp>
-    <dsp:sp modelId="{EC8C332E-3C5E-4560-8E8E-3A33260F1A97}">
-      <dsp:nvSpPr>
-        <dsp:cNvPr id="0" name=""/>
-        <dsp:cNvSpPr/>
-      </dsp:nvSpPr>
-      <dsp:spPr>
-        <a:xfrm>
-          <a:off x="5440737" y="807904"/>
-          <a:ext cx="1835840" cy="1835645"/>
-        </a:xfrm>
-        <a:prstGeom prst="ellipse">
-          <a:avLst/>
-        </a:prstGeom>
-        <a:solidFill>
-          <a:schemeClr val="lt1">
-            <a:alpha val="90000"/>
-            <a:hueOff val="0"/>
-            <a:satOff val="0"/>
-            <a:lumOff val="0"/>
-            <a:alphaOff val="0"/>
-          </a:schemeClr>
-        </a:solidFill>
-        <a:ln w="15875" cap="rnd" cmpd="sng" algn="ctr">
-          <a:solidFill>
-            <a:schemeClr val="accent1">
-              <a:hueOff val="0"/>
-              <a:satOff val="0"/>
-              <a:lumOff val="0"/>
-              <a:alphaOff val="0"/>
-            </a:schemeClr>
-          </a:solidFill>
-          <a:prstDash val="solid"/>
-        </a:ln>
-        <a:effectLst/>
-      </dsp:spPr>
-      <dsp:style>
-        <a:lnRef idx="2">
-          <a:scrgbClr r="0" g="0" b="0"/>
-        </a:lnRef>
-        <a:fillRef idx="1">
-          <a:scrgbClr r="0" g="0" b="0"/>
-        </a:fillRef>
-        <a:effectRef idx="0">
-          <a:scrgbClr r="0" g="0" b="0"/>
-        </a:effectRef>
-        <a:fontRef idx="minor"/>
-      </dsp:style>
-      <dsp:txBody>
-        <a:bodyPr spcFirstLastPara="0" vert="horz" wrap="square" lIns="17780" tIns="17780" rIns="17780" bIns="17780" numCol="1" spcCol="1270" anchor="ctr" anchorCtr="0">
-          <a:noAutofit/>
-        </a:bodyPr>
-        <a:lstStyle/>
-        <a:p>
-          <a:pPr lvl="0" algn="ctr" defTabSz="622300">
-            <a:lnSpc>
-              <a:spcPct val="90000"/>
-            </a:lnSpc>
-            <a:spcBef>
-              <a:spcPct val="0"/>
-            </a:spcBef>
-            <a:spcAft>
-              <a:spcPct val="35000"/>
-            </a:spcAft>
-          </a:pPr>
-          <a:r>
-            <a:rPr lang="en-US" sz="1400" b="0" i="0" u="none" strike="noStrike" kern="1200" baseline="0" dirty="0" smtClean="0">
-              <a:solidFill>
-                <a:schemeClr val="bg1"/>
-              </a:solidFill>
-              <a:latin typeface="Comic Sans MS" panose="030F0702030302020204" pitchFamily="66" charset="0"/>
-              <a:ea typeface="+mn-ea"/>
-              <a:cs typeface="+mn-cs"/>
-            </a:rPr>
-            <a:t>831 (38.8%)</a:t>
-          </a:r>
-        </a:p>
-        <a:p>
-          <a:pPr lvl="0" algn="ctr" defTabSz="622300">
-            <a:lnSpc>
-              <a:spcPct val="90000"/>
-            </a:lnSpc>
-            <a:spcBef>
-              <a:spcPct val="0"/>
-            </a:spcBef>
-            <a:spcAft>
-              <a:spcPct val="35000"/>
-            </a:spcAft>
-          </a:pPr>
-          <a:r>
-            <a:rPr lang="en-US" sz="1400" b="0" i="0" u="none" strike="noStrike" kern="1200" baseline="0" dirty="0" smtClean="0">
-              <a:solidFill>
-                <a:schemeClr val="bg1"/>
-              </a:solidFill>
-              <a:latin typeface="Comic Sans MS" panose="030F0702030302020204" pitchFamily="66" charset="0"/>
-              <a:ea typeface="+mn-ea"/>
-              <a:cs typeface="+mn-cs"/>
-            </a:rPr>
-            <a:t>Moderate cases </a:t>
-          </a:r>
-          <a:endParaRPr lang="en-US" sz="1400" kern="1200" dirty="0">
-            <a:solidFill>
-              <a:schemeClr val="bg1"/>
-            </a:solidFill>
-            <a:latin typeface="Comic Sans MS" panose="030F0702030302020204" pitchFamily="66" charset="0"/>
-          </a:endParaRPr>
-        </a:p>
-      </dsp:txBody>
-      <dsp:txXfrm>
-        <a:off x="5703182" y="1070189"/>
-        <a:ext cx="1310949" cy="1311076"/>
-      </dsp:txXfrm>
-    </dsp:sp>
-    <dsp:sp modelId="{1B8EF6A5-85BB-4CB6-B89D-1C0FC772B0BB}">
-      <dsp:nvSpPr>
-        <dsp:cNvPr id="0" name=""/>
-        <dsp:cNvSpPr/>
-      </dsp:nvSpPr>
-      <dsp:spPr>
-        <a:xfrm rot="2700000">
-          <a:off x="3345458" y="744711"/>
-          <a:ext cx="1961687" cy="1961687"/>
-        </a:xfrm>
-        <a:prstGeom prst="teardrop">
-          <a:avLst>
-            <a:gd name="adj" fmla="val 100000"/>
-          </a:avLst>
-        </a:prstGeom>
-        <a:solidFill>
-          <a:schemeClr val="accent1">
-            <a:hueOff val="0"/>
-            <a:satOff val="0"/>
-            <a:lumOff val="0"/>
-            <a:alphaOff val="0"/>
-          </a:schemeClr>
-        </a:solidFill>
-        <a:ln w="15875" cap="rnd" cmpd="sng" algn="ctr">
-          <a:solidFill>
-            <a:schemeClr val="lt1">
-              <a:hueOff val="0"/>
-              <a:satOff val="0"/>
-              <a:lumOff val="0"/>
-              <a:alphaOff val="0"/>
-            </a:schemeClr>
-          </a:solidFill>
-          <a:prstDash val="solid"/>
-        </a:ln>
-        <a:effectLst/>
-      </dsp:spPr>
-      <dsp:style>
-        <a:lnRef idx="2">
-          <a:scrgbClr r="0" g="0" b="0"/>
-        </a:lnRef>
-        <a:fillRef idx="1">
-          <a:scrgbClr r="0" g="0" b="0"/>
-        </a:fillRef>
-        <a:effectRef idx="0">
-          <a:scrgbClr r="0" g="0" b="0"/>
-        </a:effectRef>
-        <a:fontRef idx="minor">
-          <a:schemeClr val="lt1"/>
-        </a:fontRef>
-      </dsp:style>
-    </dsp:sp>
-    <dsp:sp modelId="{6C866EF1-C5B9-4D8C-99C3-0E1CFA2ED11C}">
-      <dsp:nvSpPr>
-        <dsp:cNvPr id="0" name=""/>
-        <dsp:cNvSpPr/>
-      </dsp:nvSpPr>
-      <dsp:spPr>
-        <a:xfrm>
-          <a:off x="3408381" y="807904"/>
-          <a:ext cx="1835840" cy="1835645"/>
-        </a:xfrm>
-        <a:prstGeom prst="ellipse">
-          <a:avLst/>
-        </a:prstGeom>
-        <a:solidFill>
-          <a:schemeClr val="lt1">
-            <a:alpha val="90000"/>
-            <a:hueOff val="0"/>
-            <a:satOff val="0"/>
-            <a:lumOff val="0"/>
-            <a:alphaOff val="0"/>
-          </a:schemeClr>
-        </a:solidFill>
-        <a:ln w="15875" cap="rnd" cmpd="sng" algn="ctr">
-          <a:solidFill>
-            <a:schemeClr val="accent1">
-              <a:hueOff val="0"/>
-              <a:satOff val="0"/>
-              <a:lumOff val="0"/>
-              <a:alphaOff val="0"/>
-            </a:schemeClr>
-          </a:solidFill>
-          <a:prstDash val="solid"/>
-        </a:ln>
-        <a:effectLst/>
-      </dsp:spPr>
-      <dsp:style>
-        <a:lnRef idx="2">
-          <a:scrgbClr r="0" g="0" b="0"/>
-        </a:lnRef>
-        <a:fillRef idx="1">
-          <a:scrgbClr r="0" g="0" b="0"/>
-        </a:fillRef>
-        <a:effectRef idx="0">
-          <a:scrgbClr r="0" g="0" b="0"/>
-        </a:effectRef>
-        <a:fontRef idx="minor"/>
-      </dsp:style>
-      <dsp:txBody>
-        <a:bodyPr spcFirstLastPara="0" vert="horz" wrap="square" lIns="17780" tIns="17780" rIns="17780" bIns="17780" numCol="1" spcCol="1270" anchor="ctr" anchorCtr="0">
-          <a:noAutofit/>
-        </a:bodyPr>
-        <a:lstStyle/>
-        <a:p>
-          <a:pPr lvl="0" algn="ctr" defTabSz="622300">
-            <a:lnSpc>
-              <a:spcPct val="90000"/>
-            </a:lnSpc>
-            <a:spcBef>
-              <a:spcPct val="0"/>
-            </a:spcBef>
-            <a:spcAft>
-              <a:spcPct val="35000"/>
-            </a:spcAft>
-          </a:pPr>
-          <a:r>
-            <a:rPr lang="en-US" sz="1400" b="0" i="0" u="none" strike="noStrike" kern="1200" baseline="0" dirty="0" smtClean="0">
-              <a:solidFill>
-                <a:schemeClr val="bg1"/>
-              </a:solidFill>
-              <a:latin typeface="Comic Sans MS" panose="030F0702030302020204" pitchFamily="66" charset="0"/>
-              <a:ea typeface="+mn-ea"/>
-              <a:cs typeface="+mn-cs"/>
-            </a:rPr>
-            <a:t>1091 (50.9%) </a:t>
-          </a:r>
-        </a:p>
-        <a:p>
-          <a:pPr lvl="0" algn="ctr" defTabSz="622300">
-            <a:lnSpc>
-              <a:spcPct val="90000"/>
-            </a:lnSpc>
-            <a:spcBef>
-              <a:spcPct val="0"/>
-            </a:spcBef>
-            <a:spcAft>
-              <a:spcPct val="35000"/>
-            </a:spcAft>
-          </a:pPr>
-          <a:r>
-            <a:rPr lang="en-US" sz="1400" b="0" i="0" u="none" strike="noStrike" kern="1200" baseline="0" dirty="0" smtClean="0">
-              <a:solidFill>
-                <a:schemeClr val="bg1"/>
-              </a:solidFill>
-              <a:latin typeface="Comic Sans MS" panose="030F0702030302020204" pitchFamily="66" charset="0"/>
-              <a:ea typeface="+mn-ea"/>
-              <a:cs typeface="+mn-cs"/>
-            </a:rPr>
-            <a:t>Mild cases</a:t>
-          </a:r>
-          <a:endParaRPr lang="en-US" sz="1400" kern="1200" dirty="0">
-            <a:solidFill>
-              <a:schemeClr val="bg1"/>
-            </a:solidFill>
-            <a:latin typeface="Comic Sans MS" panose="030F0702030302020204" pitchFamily="66" charset="0"/>
-          </a:endParaRPr>
-        </a:p>
-      </dsp:txBody>
-      <dsp:txXfrm>
-        <a:off x="3670827" y="1070189"/>
-        <a:ext cx="1310949" cy="1311076"/>
-      </dsp:txXfrm>
-    </dsp:sp>
-    <dsp:sp modelId="{1C7E039E-B0D2-461C-9A6A-67521F1C0053}">
-      <dsp:nvSpPr>
-        <dsp:cNvPr id="0" name=""/>
-        <dsp:cNvSpPr/>
-      </dsp:nvSpPr>
-      <dsp:spPr>
-        <a:xfrm rot="2700000">
-          <a:off x="1313103" y="744711"/>
-          <a:ext cx="1961687" cy="1961687"/>
-        </a:xfrm>
-        <a:prstGeom prst="teardrop">
-          <a:avLst>
-            <a:gd name="adj" fmla="val 100000"/>
-          </a:avLst>
-        </a:prstGeom>
-        <a:solidFill>
-          <a:schemeClr val="accent1">
-            <a:hueOff val="0"/>
-            <a:satOff val="0"/>
-            <a:lumOff val="0"/>
-            <a:alphaOff val="0"/>
-          </a:schemeClr>
-        </a:solidFill>
-        <a:ln w="15875" cap="rnd" cmpd="sng" algn="ctr">
-          <a:solidFill>
-            <a:schemeClr val="lt1">
-              <a:hueOff val="0"/>
-              <a:satOff val="0"/>
-              <a:lumOff val="0"/>
-              <a:alphaOff val="0"/>
-            </a:schemeClr>
-          </a:solidFill>
-          <a:prstDash val="solid"/>
-        </a:ln>
-        <a:effectLst/>
-      </dsp:spPr>
-      <dsp:style>
-        <a:lnRef idx="2">
-          <a:scrgbClr r="0" g="0" b="0"/>
-        </a:lnRef>
-        <a:fillRef idx="1">
-          <a:scrgbClr r="0" g="0" b="0"/>
-        </a:fillRef>
-        <a:effectRef idx="0">
-          <a:scrgbClr r="0" g="0" b="0"/>
-        </a:effectRef>
-        <a:fontRef idx="minor">
-          <a:schemeClr val="lt1"/>
-        </a:fontRef>
-      </dsp:style>
-    </dsp:sp>
-    <dsp:sp modelId="{112EAEF2-84F1-45FB-9754-7A7B8A93CC62}">
-      <dsp:nvSpPr>
-        <dsp:cNvPr id="0" name=""/>
-        <dsp:cNvSpPr/>
-      </dsp:nvSpPr>
-      <dsp:spPr>
-        <a:xfrm>
-          <a:off x="1376026" y="807904"/>
-          <a:ext cx="1835840" cy="1835645"/>
-        </a:xfrm>
-        <a:prstGeom prst="ellipse">
-          <a:avLst/>
-        </a:prstGeom>
-        <a:solidFill>
-          <a:schemeClr val="lt1">
-            <a:alpha val="90000"/>
-            <a:hueOff val="0"/>
-            <a:satOff val="0"/>
-            <a:lumOff val="0"/>
-            <a:alphaOff val="0"/>
-          </a:schemeClr>
-        </a:solidFill>
-        <a:ln w="15875" cap="rnd" cmpd="sng" algn="ctr">
-          <a:solidFill>
-            <a:schemeClr val="accent1">
-              <a:hueOff val="0"/>
-              <a:satOff val="0"/>
-              <a:lumOff val="0"/>
-              <a:alphaOff val="0"/>
-            </a:schemeClr>
-          </a:solidFill>
-          <a:prstDash val="solid"/>
-        </a:ln>
-        <a:effectLst/>
-      </dsp:spPr>
-      <dsp:style>
-        <a:lnRef idx="2">
-          <a:scrgbClr r="0" g="0" b="0"/>
-        </a:lnRef>
-        <a:fillRef idx="1">
-          <a:scrgbClr r="0" g="0" b="0"/>
-        </a:fillRef>
-        <a:effectRef idx="0">
-          <a:scrgbClr r="0" g="0" b="0"/>
-        </a:effectRef>
-        <a:fontRef idx="minor"/>
-      </dsp:style>
-      <dsp:txBody>
-        <a:bodyPr spcFirstLastPara="0" vert="horz" wrap="square" lIns="17780" tIns="17780" rIns="17780" bIns="17780" numCol="1" spcCol="1270" anchor="ctr" anchorCtr="0">
-          <a:noAutofit/>
-        </a:bodyPr>
-        <a:lstStyle/>
-        <a:p>
-          <a:pPr lvl="0" algn="ctr" defTabSz="622300">
-            <a:lnSpc>
-              <a:spcPct val="90000"/>
-            </a:lnSpc>
-            <a:spcBef>
-              <a:spcPct val="0"/>
-            </a:spcBef>
-            <a:spcAft>
-              <a:spcPct val="35000"/>
-            </a:spcAft>
-          </a:pPr>
-          <a:r>
-            <a:rPr lang="en-US" sz="1400" b="0" i="0" u="none" strike="noStrike" kern="1200" baseline="0" dirty="0" smtClean="0">
-              <a:solidFill>
-                <a:schemeClr val="bg1"/>
-              </a:solidFill>
-              <a:latin typeface="Comic Sans MS" panose="030F0702030302020204" pitchFamily="66" charset="0"/>
-              <a:ea typeface="+mn-ea"/>
-              <a:cs typeface="+mn-cs"/>
-            </a:rPr>
-            <a:t>94 (4.4%)</a:t>
-          </a:r>
-        </a:p>
-        <a:p>
-          <a:pPr lvl="0" algn="ctr" defTabSz="622300">
-            <a:lnSpc>
-              <a:spcPct val="90000"/>
-            </a:lnSpc>
-            <a:spcBef>
-              <a:spcPct val="0"/>
-            </a:spcBef>
-            <a:spcAft>
-              <a:spcPct val="35000"/>
-            </a:spcAft>
-          </a:pPr>
-          <a:r>
-            <a:rPr lang="en-US" sz="1400" b="0" i="0" u="none" strike="noStrike" kern="1200" baseline="0" dirty="0" smtClean="0">
-              <a:solidFill>
-                <a:schemeClr val="bg1"/>
-              </a:solidFill>
-              <a:latin typeface="Comic Sans MS" panose="030F0702030302020204" pitchFamily="66" charset="0"/>
-              <a:ea typeface="+mn-ea"/>
-              <a:cs typeface="+mn-cs"/>
-            </a:rPr>
-            <a:t>Asymptomatic </a:t>
-          </a:r>
-          <a:endParaRPr lang="en-US" sz="1400" kern="1200" dirty="0">
-            <a:solidFill>
-              <a:schemeClr val="bg1"/>
-            </a:solidFill>
-            <a:latin typeface="Comic Sans MS" panose="030F0702030302020204" pitchFamily="66" charset="0"/>
-          </a:endParaRPr>
-        </a:p>
-      </dsp:txBody>
-      <dsp:txXfrm>
-        <a:off x="1638472" y="1070189"/>
-        <a:ext cx="1310949" cy="1311076"/>
-      </dsp:txXfrm>
-    </dsp:sp>
   </dsp:spTree>
 </dsp:drawing>
 </file>
@@ -6714,658 +5059,6 @@
       <dsp:cNvGrpSpPr/>
     </dsp:nvGrpSpPr>
     <dsp:grpSpPr/>
-    <dsp:sp modelId="{3A69F322-73E5-4D63-AE50-6D98328B39B3}">
-      <dsp:nvSpPr>
-        <dsp:cNvPr id="0" name=""/>
-        <dsp:cNvSpPr/>
-      </dsp:nvSpPr>
-      <dsp:spPr>
-        <a:xfrm>
-          <a:off x="5982564" y="631997"/>
-          <a:ext cx="1674369" cy="1674455"/>
-        </a:xfrm>
-        <a:prstGeom prst="ellipse">
-          <a:avLst/>
-        </a:prstGeom>
-        <a:solidFill>
-          <a:schemeClr val="accent1">
-            <a:hueOff val="0"/>
-            <a:satOff val="0"/>
-            <a:lumOff val="0"/>
-            <a:alphaOff val="0"/>
-          </a:schemeClr>
-        </a:solidFill>
-        <a:ln w="15875" cap="rnd" cmpd="sng" algn="ctr">
-          <a:solidFill>
-            <a:schemeClr val="lt1">
-              <a:hueOff val="0"/>
-              <a:satOff val="0"/>
-              <a:lumOff val="0"/>
-              <a:alphaOff val="0"/>
-            </a:schemeClr>
-          </a:solidFill>
-          <a:prstDash val="solid"/>
-        </a:ln>
-        <a:effectLst/>
-      </dsp:spPr>
-      <dsp:style>
-        <a:lnRef idx="2">
-          <a:scrgbClr r="0" g="0" b="0"/>
-        </a:lnRef>
-        <a:fillRef idx="1">
-          <a:scrgbClr r="0" g="0" b="0"/>
-        </a:fillRef>
-        <a:effectRef idx="0">
-          <a:scrgbClr r="0" g="0" b="0"/>
-        </a:effectRef>
-        <a:fontRef idx="minor">
-          <a:schemeClr val="lt1"/>
-        </a:fontRef>
-      </dsp:style>
-    </dsp:sp>
-    <dsp:sp modelId="{D054CF14-BF57-4290-A331-392C8180031F}">
-      <dsp:nvSpPr>
-        <dsp:cNvPr id="0" name=""/>
-        <dsp:cNvSpPr/>
-      </dsp:nvSpPr>
-      <dsp:spPr>
-        <a:xfrm>
-          <a:off x="6007775" y="687822"/>
-          <a:ext cx="1563080" cy="1562805"/>
-        </a:xfrm>
-        <a:prstGeom prst="ellipse">
-          <a:avLst/>
-        </a:prstGeom>
-        <a:solidFill>
-          <a:schemeClr val="lt1">
-            <a:alpha val="90000"/>
-            <a:hueOff val="0"/>
-            <a:satOff val="0"/>
-            <a:lumOff val="0"/>
-            <a:alphaOff val="0"/>
-          </a:schemeClr>
-        </a:solidFill>
-        <a:ln w="15875" cap="rnd" cmpd="sng" algn="ctr">
-          <a:solidFill>
-            <a:schemeClr val="accent1">
-              <a:hueOff val="0"/>
-              <a:satOff val="0"/>
-              <a:lumOff val="0"/>
-              <a:alphaOff val="0"/>
-            </a:schemeClr>
-          </a:solidFill>
-          <a:prstDash val="solid"/>
-        </a:ln>
-        <a:effectLst/>
-      </dsp:spPr>
-      <dsp:style>
-        <a:lnRef idx="2">
-          <a:scrgbClr r="0" g="0" b="0"/>
-        </a:lnRef>
-        <a:fillRef idx="1">
-          <a:scrgbClr r="0" g="0" b="0"/>
-        </a:fillRef>
-        <a:effectRef idx="0">
-          <a:scrgbClr r="0" g="0" b="0"/>
-        </a:effectRef>
-        <a:fontRef idx="minor"/>
-      </dsp:style>
-      <dsp:txBody>
-        <a:bodyPr spcFirstLastPara="0" vert="horz" wrap="square" lIns="15240" tIns="15240" rIns="15240" bIns="15240" numCol="1" spcCol="1270" anchor="ctr" anchorCtr="0">
-          <a:noAutofit/>
-        </a:bodyPr>
-        <a:lstStyle/>
-        <a:p>
-          <a:pPr lvl="0" algn="ctr" defTabSz="533400">
-            <a:lnSpc>
-              <a:spcPct val="90000"/>
-            </a:lnSpc>
-            <a:spcBef>
-              <a:spcPct val="0"/>
-            </a:spcBef>
-            <a:spcAft>
-              <a:spcPct val="35000"/>
-            </a:spcAft>
-          </a:pPr>
-          <a:r>
-            <a:rPr lang="en-US" sz="1200" kern="1200" dirty="0" smtClean="0">
-              <a:solidFill>
-                <a:schemeClr val="bg1"/>
-              </a:solidFill>
-              <a:latin typeface="Comic Sans MS" panose="030F0702030302020204" pitchFamily="66" charset="0"/>
-            </a:rPr>
-            <a:t>12 patients</a:t>
-          </a:r>
-        </a:p>
-        <a:p>
-          <a:pPr lvl="0" algn="ctr" defTabSz="533400">
-            <a:lnSpc>
-              <a:spcPct val="90000"/>
-            </a:lnSpc>
-            <a:spcBef>
-              <a:spcPct val="0"/>
-            </a:spcBef>
-            <a:spcAft>
-              <a:spcPct val="35000"/>
-            </a:spcAft>
-          </a:pPr>
-          <a:r>
-            <a:rPr lang="en-US" sz="1200" kern="1200" dirty="0" smtClean="0">
-              <a:solidFill>
-                <a:schemeClr val="bg1"/>
-              </a:solidFill>
-              <a:latin typeface="Comic Sans MS" panose="030F0702030302020204" pitchFamily="66" charset="0"/>
-            </a:rPr>
-            <a:t> +</a:t>
-          </a:r>
-          <a:r>
-            <a:rPr lang="en-US" sz="1200" kern="1200" dirty="0" err="1" smtClean="0">
-              <a:solidFill>
-                <a:schemeClr val="bg1"/>
-              </a:solidFill>
-              <a:latin typeface="Comic Sans MS" panose="030F0702030302020204" pitchFamily="66" charset="0"/>
-            </a:rPr>
-            <a:t>ve</a:t>
-          </a:r>
-          <a:r>
-            <a:rPr lang="en-US" sz="1200" kern="1200" dirty="0" smtClean="0">
-              <a:solidFill>
-                <a:schemeClr val="bg1"/>
-              </a:solidFill>
-              <a:latin typeface="Comic Sans MS" panose="030F0702030302020204" pitchFamily="66" charset="0"/>
-            </a:rPr>
-            <a:t> Pneumonia radiographs</a:t>
-          </a:r>
-        </a:p>
-        <a:p>
-          <a:pPr lvl="0" algn="ctr" defTabSz="533400">
-            <a:lnSpc>
-              <a:spcPct val="90000"/>
-            </a:lnSpc>
-            <a:spcBef>
-              <a:spcPct val="0"/>
-            </a:spcBef>
-            <a:spcAft>
-              <a:spcPct val="35000"/>
-            </a:spcAft>
-          </a:pPr>
-          <a:r>
-            <a:rPr lang="en-US" sz="1200" kern="1200" dirty="0" smtClean="0">
-              <a:solidFill>
-                <a:schemeClr val="bg1"/>
-              </a:solidFill>
-              <a:latin typeface="Comic Sans MS" panose="030F0702030302020204" pitchFamily="66" charset="0"/>
-            </a:rPr>
-            <a:t>No symptoms</a:t>
-          </a:r>
-          <a:endParaRPr lang="en-US" sz="1200" kern="1200" dirty="0">
-            <a:solidFill>
-              <a:schemeClr val="bg1"/>
-            </a:solidFill>
-            <a:latin typeface="Comic Sans MS" panose="030F0702030302020204" pitchFamily="66" charset="0"/>
-          </a:endParaRPr>
-        </a:p>
-      </dsp:txBody>
-      <dsp:txXfrm>
-        <a:off x="6231072" y="911122"/>
-        <a:ext cx="1116485" cy="1116205"/>
-      </dsp:txXfrm>
-    </dsp:sp>
-    <dsp:sp modelId="{A4533B9E-7136-476D-A49E-62833FD42896}">
-      <dsp:nvSpPr>
-        <dsp:cNvPr id="0" name=""/>
-        <dsp:cNvSpPr/>
-      </dsp:nvSpPr>
-      <dsp:spPr>
-        <a:xfrm rot="2700000">
-          <a:off x="4244996" y="631879"/>
-          <a:ext cx="1674397" cy="1674397"/>
-        </a:xfrm>
-        <a:prstGeom prst="teardrop">
-          <a:avLst>
-            <a:gd name="adj" fmla="val 100000"/>
-          </a:avLst>
-        </a:prstGeom>
-        <a:solidFill>
-          <a:schemeClr val="accent1">
-            <a:hueOff val="0"/>
-            <a:satOff val="0"/>
-            <a:lumOff val="0"/>
-            <a:alphaOff val="0"/>
-          </a:schemeClr>
-        </a:solidFill>
-        <a:ln w="15875" cap="rnd" cmpd="sng" algn="ctr">
-          <a:solidFill>
-            <a:schemeClr val="lt1">
-              <a:hueOff val="0"/>
-              <a:satOff val="0"/>
-              <a:lumOff val="0"/>
-              <a:alphaOff val="0"/>
-            </a:schemeClr>
-          </a:solidFill>
-          <a:prstDash val="solid"/>
-        </a:ln>
-        <a:effectLst/>
-      </dsp:spPr>
-      <dsp:style>
-        <a:lnRef idx="2">
-          <a:scrgbClr r="0" g="0" b="0"/>
-        </a:lnRef>
-        <a:fillRef idx="1">
-          <a:scrgbClr r="0" g="0" b="0"/>
-        </a:fillRef>
-        <a:effectRef idx="0">
-          <a:scrgbClr r="0" g="0" b="0"/>
-        </a:effectRef>
-        <a:fontRef idx="minor">
-          <a:schemeClr val="lt1"/>
-        </a:fontRef>
-      </dsp:style>
-    </dsp:sp>
-    <dsp:sp modelId="{72A6AC03-AD7F-4141-B339-587E98A1039F}">
-      <dsp:nvSpPr>
-        <dsp:cNvPr id="0" name=""/>
-        <dsp:cNvSpPr/>
-      </dsp:nvSpPr>
-      <dsp:spPr>
-        <a:xfrm>
-          <a:off x="4308194" y="687822"/>
-          <a:ext cx="1563080" cy="1562805"/>
-        </a:xfrm>
-        <a:prstGeom prst="ellipse">
-          <a:avLst/>
-        </a:prstGeom>
-        <a:solidFill>
-          <a:schemeClr val="lt1">
-            <a:alpha val="90000"/>
-            <a:hueOff val="0"/>
-            <a:satOff val="0"/>
-            <a:lumOff val="0"/>
-            <a:alphaOff val="0"/>
-          </a:schemeClr>
-        </a:solidFill>
-        <a:ln w="15875" cap="rnd" cmpd="sng" algn="ctr">
-          <a:solidFill>
-            <a:schemeClr val="accent1">
-              <a:hueOff val="0"/>
-              <a:satOff val="0"/>
-              <a:lumOff val="0"/>
-              <a:alphaOff val="0"/>
-            </a:schemeClr>
-          </a:solidFill>
-          <a:prstDash val="solid"/>
-        </a:ln>
-        <a:effectLst/>
-      </dsp:spPr>
-      <dsp:style>
-        <a:lnRef idx="2">
-          <a:scrgbClr r="0" g="0" b="0"/>
-        </a:lnRef>
-        <a:fillRef idx="1">
-          <a:scrgbClr r="0" g="0" b="0"/>
-        </a:fillRef>
-        <a:effectRef idx="0">
-          <a:scrgbClr r="0" g="0" b="0"/>
-        </a:effectRef>
-        <a:fontRef idx="minor"/>
-      </dsp:style>
-      <dsp:txBody>
-        <a:bodyPr spcFirstLastPara="0" vert="horz" wrap="square" lIns="15240" tIns="15240" rIns="15240" bIns="15240" numCol="1" spcCol="1270" anchor="ctr" anchorCtr="0">
-          <a:noAutofit/>
-        </a:bodyPr>
-        <a:lstStyle/>
-        <a:p>
-          <a:pPr lvl="0" algn="ctr" defTabSz="533400">
-            <a:lnSpc>
-              <a:spcPct val="90000"/>
-            </a:lnSpc>
-            <a:spcBef>
-              <a:spcPct val="0"/>
-            </a:spcBef>
-            <a:spcAft>
-              <a:spcPct val="35000"/>
-            </a:spcAft>
-          </a:pPr>
-          <a:r>
-            <a:rPr lang="en-US" sz="1200" kern="1200" dirty="0" smtClean="0">
-              <a:solidFill>
-                <a:schemeClr val="bg1"/>
-              </a:solidFill>
-              <a:latin typeface="Comic Sans MS" panose="030F0702030302020204" pitchFamily="66" charset="0"/>
-            </a:rPr>
-            <a:t>15.8%</a:t>
-          </a:r>
-        </a:p>
-        <a:p>
-          <a:pPr lvl="0" algn="ctr" defTabSz="533400">
-            <a:lnSpc>
-              <a:spcPct val="90000"/>
-            </a:lnSpc>
-            <a:spcBef>
-              <a:spcPct val="0"/>
-            </a:spcBef>
-            <a:spcAft>
-              <a:spcPct val="35000"/>
-            </a:spcAft>
-          </a:pPr>
-          <a:r>
-            <a:rPr lang="en-US" sz="1200" kern="1200" dirty="0" smtClean="0">
-              <a:solidFill>
-                <a:schemeClr val="bg1"/>
-              </a:solidFill>
-              <a:latin typeface="Comic Sans MS" panose="030F0702030302020204" pitchFamily="66" charset="0"/>
-            </a:rPr>
-            <a:t>No symptoms</a:t>
-          </a:r>
-          <a:endParaRPr lang="en-US" sz="1200" kern="1200" dirty="0">
-            <a:solidFill>
-              <a:schemeClr val="bg1"/>
-            </a:solidFill>
-            <a:latin typeface="Comic Sans MS" panose="030F0702030302020204" pitchFamily="66" charset="0"/>
-          </a:endParaRPr>
-        </a:p>
-      </dsp:txBody>
-      <dsp:txXfrm>
-        <a:off x="4531491" y="911122"/>
-        <a:ext cx="1116485" cy="1116205"/>
-      </dsp:txXfrm>
-    </dsp:sp>
-    <dsp:sp modelId="{1B8EF6A5-85BB-4CB6-B89D-1C0FC772B0BB}">
-      <dsp:nvSpPr>
-        <dsp:cNvPr id="0" name=""/>
-        <dsp:cNvSpPr/>
-      </dsp:nvSpPr>
-      <dsp:spPr>
-        <a:xfrm rot="2700000">
-          <a:off x="2521802" y="631879"/>
-          <a:ext cx="1674397" cy="1674397"/>
-        </a:xfrm>
-        <a:prstGeom prst="teardrop">
-          <a:avLst>
-            <a:gd name="adj" fmla="val 100000"/>
-          </a:avLst>
-        </a:prstGeom>
-        <a:solidFill>
-          <a:schemeClr val="accent1">
-            <a:hueOff val="0"/>
-            <a:satOff val="0"/>
-            <a:lumOff val="0"/>
-            <a:alphaOff val="0"/>
-          </a:schemeClr>
-        </a:solidFill>
-        <a:ln w="15875" cap="rnd" cmpd="sng" algn="ctr">
-          <a:solidFill>
-            <a:schemeClr val="lt1">
-              <a:hueOff val="0"/>
-              <a:satOff val="0"/>
-              <a:lumOff val="0"/>
-              <a:alphaOff val="0"/>
-            </a:schemeClr>
-          </a:solidFill>
-          <a:prstDash val="solid"/>
-        </a:ln>
-        <a:effectLst/>
-      </dsp:spPr>
-      <dsp:style>
-        <a:lnRef idx="2">
-          <a:scrgbClr r="0" g="0" b="0"/>
-        </a:lnRef>
-        <a:fillRef idx="1">
-          <a:scrgbClr r="0" g="0" b="0"/>
-        </a:fillRef>
-        <a:effectRef idx="0">
-          <a:scrgbClr r="0" g="0" b="0"/>
-        </a:effectRef>
-        <a:fontRef idx="minor">
-          <a:schemeClr val="lt1"/>
-        </a:fontRef>
-      </dsp:style>
-    </dsp:sp>
-    <dsp:sp modelId="{6C866EF1-C5B9-4D8C-99C3-0E1CFA2ED11C}">
-      <dsp:nvSpPr>
-        <dsp:cNvPr id="0" name=""/>
-        <dsp:cNvSpPr/>
-      </dsp:nvSpPr>
-      <dsp:spPr>
-        <a:xfrm>
-          <a:off x="2577820" y="687822"/>
-          <a:ext cx="1563080" cy="1562805"/>
-        </a:xfrm>
-        <a:prstGeom prst="ellipse">
-          <a:avLst/>
-        </a:prstGeom>
-        <a:solidFill>
-          <a:schemeClr val="lt1">
-            <a:alpha val="90000"/>
-            <a:hueOff val="0"/>
-            <a:satOff val="0"/>
-            <a:lumOff val="0"/>
-            <a:alphaOff val="0"/>
-          </a:schemeClr>
-        </a:solidFill>
-        <a:ln w="15875" cap="rnd" cmpd="sng" algn="ctr">
-          <a:solidFill>
-            <a:schemeClr val="accent1">
-              <a:hueOff val="0"/>
-              <a:satOff val="0"/>
-              <a:lumOff val="0"/>
-              <a:alphaOff val="0"/>
-            </a:schemeClr>
-          </a:solidFill>
-          <a:prstDash val="solid"/>
-        </a:ln>
-        <a:effectLst/>
-      </dsp:spPr>
-      <dsp:style>
-        <a:lnRef idx="2">
-          <a:scrgbClr r="0" g="0" b="0"/>
-        </a:lnRef>
-        <a:fillRef idx="1">
-          <a:scrgbClr r="0" g="0" b="0"/>
-        </a:fillRef>
-        <a:effectRef idx="0">
-          <a:scrgbClr r="0" g="0" b="0"/>
-        </a:effectRef>
-        <a:fontRef idx="minor"/>
-      </dsp:style>
-      <dsp:txBody>
-        <a:bodyPr spcFirstLastPara="0" vert="horz" wrap="square" lIns="15240" tIns="15240" rIns="15240" bIns="15240" numCol="1" spcCol="1270" anchor="ctr" anchorCtr="0">
-          <a:noAutofit/>
-        </a:bodyPr>
-        <a:lstStyle/>
-        <a:p>
-          <a:pPr lvl="0" algn="ctr" defTabSz="533400">
-            <a:lnSpc>
-              <a:spcPct val="90000"/>
-            </a:lnSpc>
-            <a:spcBef>
-              <a:spcPct val="0"/>
-            </a:spcBef>
-            <a:spcAft>
-              <a:spcPct val="35000"/>
-            </a:spcAft>
-          </a:pPr>
-          <a:r>
-            <a:rPr lang="en-US" sz="1200" kern="1200" dirty="0" smtClean="0">
-              <a:solidFill>
-                <a:schemeClr val="bg1"/>
-              </a:solidFill>
-              <a:latin typeface="Comic Sans MS" panose="030F0702030302020204" pitchFamily="66" charset="0"/>
-            </a:rPr>
-            <a:t>Cough &amp; erythema</a:t>
-          </a:r>
-          <a:endParaRPr lang="en-US" sz="1200" kern="1200" dirty="0">
-            <a:solidFill>
-              <a:schemeClr val="bg1"/>
-            </a:solidFill>
-            <a:latin typeface="Comic Sans MS" panose="030F0702030302020204" pitchFamily="66" charset="0"/>
-          </a:endParaRPr>
-        </a:p>
-      </dsp:txBody>
-      <dsp:txXfrm>
-        <a:off x="2801117" y="911122"/>
-        <a:ext cx="1116485" cy="1116205"/>
-      </dsp:txXfrm>
-    </dsp:sp>
-    <dsp:sp modelId="{1C7E039E-B0D2-461C-9A6A-67521F1C0053}">
-      <dsp:nvSpPr>
-        <dsp:cNvPr id="0" name=""/>
-        <dsp:cNvSpPr/>
-      </dsp:nvSpPr>
-      <dsp:spPr>
-        <a:xfrm rot="2700000">
-          <a:off x="791428" y="631879"/>
-          <a:ext cx="1674397" cy="1674397"/>
-        </a:xfrm>
-        <a:prstGeom prst="teardrop">
-          <a:avLst>
-            <a:gd name="adj" fmla="val 100000"/>
-          </a:avLst>
-        </a:prstGeom>
-        <a:solidFill>
-          <a:schemeClr val="accent1">
-            <a:hueOff val="0"/>
-            <a:satOff val="0"/>
-            <a:lumOff val="0"/>
-            <a:alphaOff val="0"/>
-          </a:schemeClr>
-        </a:solidFill>
-        <a:ln w="15875" cap="rnd" cmpd="sng" algn="ctr">
-          <a:solidFill>
-            <a:schemeClr val="lt1">
-              <a:hueOff val="0"/>
-              <a:satOff val="0"/>
-              <a:lumOff val="0"/>
-              <a:alphaOff val="0"/>
-            </a:schemeClr>
-          </a:solidFill>
-          <a:prstDash val="solid"/>
-        </a:ln>
-        <a:effectLst/>
-      </dsp:spPr>
-      <dsp:style>
-        <a:lnRef idx="2">
-          <a:scrgbClr r="0" g="0" b="0"/>
-        </a:lnRef>
-        <a:fillRef idx="1">
-          <a:scrgbClr r="0" g="0" b="0"/>
-        </a:fillRef>
-        <a:effectRef idx="0">
-          <a:scrgbClr r="0" g="0" b="0"/>
-        </a:effectRef>
-        <a:fontRef idx="minor">
-          <a:schemeClr val="lt1"/>
-        </a:fontRef>
-      </dsp:style>
-    </dsp:sp>
-    <dsp:sp modelId="{112EAEF2-84F1-45FB-9754-7A7B8A93CC62}">
-      <dsp:nvSpPr>
-        <dsp:cNvPr id="0" name=""/>
-        <dsp:cNvSpPr/>
-      </dsp:nvSpPr>
-      <dsp:spPr>
-        <a:xfrm>
-          <a:off x="847446" y="687822"/>
-          <a:ext cx="1563080" cy="1562805"/>
-        </a:xfrm>
-        <a:prstGeom prst="ellipse">
-          <a:avLst/>
-        </a:prstGeom>
-        <a:solidFill>
-          <a:schemeClr val="lt1">
-            <a:alpha val="90000"/>
-            <a:hueOff val="0"/>
-            <a:satOff val="0"/>
-            <a:lumOff val="0"/>
-            <a:alphaOff val="0"/>
-          </a:schemeClr>
-        </a:solidFill>
-        <a:ln w="15875" cap="rnd" cmpd="sng" algn="ctr">
-          <a:solidFill>
-            <a:schemeClr val="accent1">
-              <a:hueOff val="0"/>
-              <a:satOff val="0"/>
-              <a:lumOff val="0"/>
-              <a:alphaOff val="0"/>
-            </a:schemeClr>
-          </a:solidFill>
-          <a:prstDash val="solid"/>
-        </a:ln>
-        <a:effectLst/>
-      </dsp:spPr>
-      <dsp:style>
-        <a:lnRef idx="2">
-          <a:scrgbClr r="0" g="0" b="0"/>
-        </a:lnRef>
-        <a:fillRef idx="1">
-          <a:scrgbClr r="0" g="0" b="0"/>
-        </a:fillRef>
-        <a:effectRef idx="0">
-          <a:scrgbClr r="0" g="0" b="0"/>
-        </a:effectRef>
-        <a:fontRef idx="minor"/>
-      </dsp:style>
-      <dsp:txBody>
-        <a:bodyPr spcFirstLastPara="0" vert="horz" wrap="square" lIns="15240" tIns="15240" rIns="15240" bIns="15240" numCol="1" spcCol="1270" anchor="ctr" anchorCtr="0">
-          <a:noAutofit/>
-        </a:bodyPr>
-        <a:lstStyle/>
-        <a:p>
-          <a:pPr lvl="0" algn="ctr" defTabSz="533400">
-            <a:lnSpc>
-              <a:spcPct val="90000"/>
-            </a:lnSpc>
-            <a:spcBef>
-              <a:spcPct val="0"/>
-            </a:spcBef>
-            <a:spcAft>
-              <a:spcPct val="35000"/>
-            </a:spcAft>
-          </a:pPr>
-          <a:r>
-            <a:rPr lang="en-US" sz="1200" kern="1200" dirty="0" smtClean="0">
-              <a:solidFill>
-                <a:schemeClr val="bg1"/>
-              </a:solidFill>
-              <a:latin typeface="Comic Sans MS" panose="030F0702030302020204" pitchFamily="66" charset="0"/>
-            </a:rPr>
-            <a:t>41.5%</a:t>
-          </a:r>
-        </a:p>
-        <a:p>
-          <a:pPr lvl="0" algn="ctr" defTabSz="533400">
-            <a:lnSpc>
-              <a:spcPct val="90000"/>
-            </a:lnSpc>
-            <a:spcBef>
-              <a:spcPct val="0"/>
-            </a:spcBef>
-            <a:spcAft>
-              <a:spcPct val="35000"/>
-            </a:spcAft>
-          </a:pPr>
-          <a:r>
-            <a:rPr lang="en-US" sz="1200" kern="1200" dirty="0" smtClean="0">
-              <a:solidFill>
-                <a:schemeClr val="bg1"/>
-              </a:solidFill>
-              <a:latin typeface="Comic Sans MS" panose="030F0702030302020204" pitchFamily="66" charset="0"/>
-            </a:rPr>
-            <a:t>fever</a:t>
-          </a:r>
-          <a:endParaRPr lang="en-US" sz="1200" kern="1200" dirty="0">
-            <a:solidFill>
-              <a:schemeClr val="bg1"/>
-            </a:solidFill>
-            <a:latin typeface="Comic Sans MS" panose="030F0702030302020204" pitchFamily="66" charset="0"/>
-          </a:endParaRPr>
-        </a:p>
-      </dsp:txBody>
-      <dsp:txXfrm>
-        <a:off x="1070743" y="911122"/>
-        <a:ext cx="1116485" cy="1116205"/>
-      </dsp:txXfrm>
-    </dsp:sp>
   </dsp:spTree>
 </dsp:drawing>
 </file>
@@ -21087,7 +18780,7 @@
           <a:p>
             <a:fld id="{2CB37C76-B563-40F9-9285-CEBCE2C9DBCC}" type="datetimeFigureOut">
               <a:rPr lang="en-US" smtClean="0"/>
-              <a:t>7/13/2020</a:t>
+              <a:t>7/14/2020</a:t>
             </a:fld>
             <a:endParaRPr lang="en-US"/>
           </a:p>
@@ -21399,19 +19092,136 @@
           <a:bodyPr/>
           <a:lstStyle/>
           <a:p>
+            <a:pPr marL="171450" indent="-171450">
+              <a:buFont typeface="Arial" panose="020B0604020202020204" pitchFamily="34" charset="0"/>
+              <a:buChar char="•"/>
+            </a:pPr>
             <a:r>
-              <a:rPr lang="en-US" sz="1200" b="0" i="0" u="none" strike="noStrike" kern="1200" baseline="0" dirty="0" smtClean="0">
-                <a:solidFill>
-                  <a:schemeClr val="tx1"/>
-                </a:solidFill>
-                <a:latin typeface="+mn-lt"/>
-                <a:ea typeface="+mn-ea"/>
-                <a:cs typeface="+mn-cs"/>
-              </a:rPr>
-              <a:t>The clinical symptoms of COVID-19 are still being documented and collated, although the majority of affected patients exhibit symptoms including a dry cough which is usually accompanied by fever</a:t>
+              <a:rPr lang="en-US" dirty="0" smtClean="0"/>
+              <a:t>At the beginning of 2020, the novel virus severe acute respiratory syndrome coronavirus 2 (SARS-CoV-2) appeared, causing the coronavirus disease (COVID-19). </a:t>
             </a:r>
-            <a:endParaRPr lang="en-US" dirty="0" smtClean="0"/>
           </a:p>
+          <a:p>
+            <a:pPr marL="171450" indent="-171450">
+              <a:buFont typeface="Arial" panose="020B0604020202020204" pitchFamily="34" charset="0"/>
+              <a:buChar char="•"/>
+            </a:pPr>
+            <a:r>
+              <a:rPr lang="en-US" dirty="0" smtClean="0"/>
+              <a:t>The emerging virus has resulted in a global pandemic declared a Public Health Emergency of International Concern (PHEIC) by the World Health Organization (WHO) Director-General on the recommendation of the International Health Regulations (2005) Emergency Committee.</a:t>
+            </a:r>
+          </a:p>
+          <a:p>
+            <a:pPr marL="171450" marR="0" indent="-171450" algn="l" defTabSz="914400" rtl="0" eaLnBrk="1" fontAlgn="auto" latinLnBrk="0" hangingPunct="1">
+              <a:lnSpc>
+                <a:spcPct val="100000"/>
+              </a:lnSpc>
+              <a:spcBef>
+                <a:spcPts val="0"/>
+              </a:spcBef>
+              <a:spcAft>
+                <a:spcPts val="0"/>
+              </a:spcAft>
+              <a:buClrTx/>
+              <a:buSzTx/>
+              <a:buFont typeface="Arial" panose="020B0604020202020204" pitchFamily="34" charset="0"/>
+              <a:buChar char="•"/>
+              <a:tabLst/>
+              <a:defRPr/>
+            </a:pPr>
+            <a:r>
+              <a:rPr lang="en-US" sz="1200" dirty="0" smtClean="0"/>
+              <a:t>Eventually, the transmission of disease to eight other oral healthcare professionals was identified.</a:t>
+            </a:r>
+          </a:p>
+          <a:p>
+            <a:pPr marL="171450" indent="-171450">
+              <a:buFont typeface="Arial" panose="020B0604020202020204" pitchFamily="34" charset="0"/>
+              <a:buChar char="•"/>
+            </a:pPr>
+            <a:endParaRPr lang="en-US" dirty="0"/>
+          </a:p>
+        </p:txBody>
+      </p:sp>
+      <p:sp>
+        <p:nvSpPr>
+          <p:cNvPr id="4" name="Slide Number Placeholder 3"/>
+          <p:cNvSpPr>
+            <a:spLocks noGrp="1"/>
+          </p:cNvSpPr>
+          <p:nvPr>
+            <p:ph type="sldNum" sz="quarter" idx="10"/>
+          </p:nvPr>
+        </p:nvSpPr>
+        <p:spPr/>
+        <p:txBody>
+          <a:bodyPr/>
+          <a:lstStyle/>
+          <a:p>
+            <a:fld id="{82F53655-C98E-41A0-B5E4-0750657FD94C}" type="slidenum">
+              <a:rPr lang="en-US" smtClean="0"/>
+              <a:t>3</a:t>
+            </a:fld>
+            <a:endParaRPr lang="en-US"/>
+          </a:p>
+        </p:txBody>
+      </p:sp>
+    </p:spTree>
+    <p:extLst>
+      <p:ext uri="{BB962C8B-B14F-4D97-AF65-F5344CB8AC3E}">
+        <p14:creationId xmlns:p14="http://schemas.microsoft.com/office/powerpoint/2010/main" val="4007744209"/>
+      </p:ext>
+    </p:extLst>
+  </p:cSld>
+  <p:clrMapOvr>
+    <a:masterClrMapping/>
+  </p:clrMapOvr>
+</p:notes>
+</file>
+
+<file path=ppt/notesSlides/notesSlide10.xml><?xml version="1.0" encoding="utf-8"?>
+<p:notes xmlns:a="http://schemas.openxmlformats.org/drawingml/2006/main" xmlns:r="http://schemas.openxmlformats.org/officeDocument/2006/relationships" xmlns:p="http://schemas.openxmlformats.org/presentationml/2006/main">
+  <p:cSld>
+    <p:spTree>
+      <p:nvGrpSpPr>
+        <p:cNvPr id="1" name=""/>
+        <p:cNvGrpSpPr/>
+        <p:nvPr/>
+      </p:nvGrpSpPr>
+      <p:grpSpPr>
+        <a:xfrm>
+          <a:off x="0" y="0"/>
+          <a:ext cx="0" cy="0"/>
+          <a:chOff x="0" y="0"/>
+          <a:chExt cx="0" cy="0"/>
+        </a:xfrm>
+      </p:grpSpPr>
+      <p:sp>
+        <p:nvSpPr>
+          <p:cNvPr id="2" name="Slide Image Placeholder 1"/>
+          <p:cNvSpPr>
+            <a:spLocks noGrp="1" noRot="1" noChangeAspect="1"/>
+          </p:cNvSpPr>
+          <p:nvPr>
+            <p:ph type="sldImg"/>
+          </p:nvPr>
+        </p:nvSpPr>
+        <p:spPr/>
+      </p:sp>
+      <p:sp>
+        <p:nvSpPr>
+          <p:cNvPr id="3" name="Notes Placeholder 2"/>
+          <p:cNvSpPr>
+            <a:spLocks noGrp="1"/>
+          </p:cNvSpPr>
+          <p:nvPr>
+            <p:ph type="body" idx="1"/>
+          </p:nvPr>
+        </p:nvSpPr>
+        <p:spPr/>
+        <p:txBody>
+          <a:bodyPr/>
+          <a:lstStyle/>
           <a:p>
             <a:endParaRPr lang="en-US" dirty="0"/>
           </a:p>
@@ -21434,7 +19244,7 @@
           <a:p>
             <a:fld id="{82F53655-C98E-41A0-B5E4-0750657FD94C}" type="slidenum">
               <a:rPr lang="en-US" smtClean="0"/>
-              <a:t>4</a:t>
+              <a:t>12</a:t>
             </a:fld>
             <a:endParaRPr lang="en-US"/>
           </a:p>
@@ -21443,7 +19253,7 @@
     </p:spTree>
     <p:extLst>
       <p:ext uri="{BB962C8B-B14F-4D97-AF65-F5344CB8AC3E}">
-        <p14:creationId xmlns:p14="http://schemas.microsoft.com/office/powerpoint/2010/main" val="3198685997"/>
+        <p14:creationId xmlns:p14="http://schemas.microsoft.com/office/powerpoint/2010/main" val="3644342559"/>
       </p:ext>
     </p:extLst>
   </p:cSld>
@@ -21453,7 +19263,7 @@
 </p:notes>
 </file>
 
-<file path=ppt/notesSlides/notesSlide10.xml><?xml version="1.0" encoding="utf-8"?>
+<file path=ppt/notesSlides/notesSlide11.xml><?xml version="1.0" encoding="utf-8"?>
 <p:notes xmlns:a="http://schemas.openxmlformats.org/drawingml/2006/main" xmlns:r="http://schemas.openxmlformats.org/officeDocument/2006/relationships" xmlns:p="http://schemas.openxmlformats.org/presentationml/2006/main">
   <p:cSld>
     <p:spTree>
@@ -21537,7 +19347,7 @@
 </p:notes>
 </file>
 
-<file path=ppt/notesSlides/notesSlide11.xml><?xml version="1.0" encoding="utf-8"?>
+<file path=ppt/notesSlides/notesSlide12.xml><?xml version="1.0" encoding="utf-8"?>
 <p:notes xmlns:a="http://schemas.openxmlformats.org/drawingml/2006/main" xmlns:r="http://schemas.openxmlformats.org/officeDocument/2006/relationships" xmlns:p="http://schemas.openxmlformats.org/presentationml/2006/main">
   <p:cSld>
     <p:spTree>
@@ -21621,7 +19431,7 @@
 </p:notes>
 </file>
 
-<file path=ppt/notesSlides/notesSlide12.xml><?xml version="1.0" encoding="utf-8"?>
+<file path=ppt/notesSlides/notesSlide13.xml><?xml version="1.0" encoding="utf-8"?>
 <p:notes xmlns:a="http://schemas.openxmlformats.org/drawingml/2006/main" xmlns:r="http://schemas.openxmlformats.org/officeDocument/2006/relationships" xmlns:p="http://schemas.openxmlformats.org/presentationml/2006/main">
   <p:cSld>
     <p:spTree>
@@ -21737,7 +19547,7 @@
 </p:notes>
 </file>
 
-<file path=ppt/notesSlides/notesSlide13.xml><?xml version="1.0" encoding="utf-8"?>
+<file path=ppt/notesSlides/notesSlide14.xml><?xml version="1.0" encoding="utf-8"?>
 <p:notes xmlns:a="http://schemas.openxmlformats.org/drawingml/2006/main" xmlns:r="http://schemas.openxmlformats.org/officeDocument/2006/relationships" xmlns:p="http://schemas.openxmlformats.org/presentationml/2006/main">
   <p:cSld>
     <p:spTree>
@@ -21821,7 +19631,7 @@
 </p:notes>
 </file>
 
-<file path=ppt/notesSlides/notesSlide14.xml><?xml version="1.0" encoding="utf-8"?>
+<file path=ppt/notesSlides/notesSlide15.xml><?xml version="1.0" encoding="utf-8"?>
 <p:notes xmlns:a="http://schemas.openxmlformats.org/drawingml/2006/main" xmlns:r="http://schemas.openxmlformats.org/officeDocument/2006/relationships" xmlns:p="http://schemas.openxmlformats.org/presentationml/2006/main">
   <p:cSld>
     <p:spTree>
@@ -22023,7 +19833,7 @@
 </p:notes>
 </file>
 
-<file path=ppt/notesSlides/notesSlide15.xml><?xml version="1.0" encoding="utf-8"?>
+<file path=ppt/notesSlides/notesSlide16.xml><?xml version="1.0" encoding="utf-8"?>
 <p:notes xmlns:a="http://schemas.openxmlformats.org/drawingml/2006/main" xmlns:r="http://schemas.openxmlformats.org/officeDocument/2006/relationships" xmlns:p="http://schemas.openxmlformats.org/presentationml/2006/main">
   <p:cSld>
     <p:spTree>
@@ -22107,7 +19917,7 @@
 </p:notes>
 </file>
 
-<file path=ppt/notesSlides/notesSlide16.xml><?xml version="1.0" encoding="utf-8"?>
+<file path=ppt/notesSlides/notesSlide17.xml><?xml version="1.0" encoding="utf-8"?>
 <p:notes xmlns:a="http://schemas.openxmlformats.org/drawingml/2006/main" xmlns:r="http://schemas.openxmlformats.org/officeDocument/2006/relationships" xmlns:p="http://schemas.openxmlformats.org/presentationml/2006/main">
   <p:cSld>
     <p:spTree>
@@ -22191,7 +20001,7 @@
 </p:notes>
 </file>
 
-<file path=ppt/notesSlides/notesSlide17.xml><?xml version="1.0" encoding="utf-8"?>
+<file path=ppt/notesSlides/notesSlide18.xml><?xml version="1.0" encoding="utf-8"?>
 <p:notes xmlns:a="http://schemas.openxmlformats.org/drawingml/2006/main" xmlns:r="http://schemas.openxmlformats.org/officeDocument/2006/relationships" xmlns:p="http://schemas.openxmlformats.org/presentationml/2006/main">
   <p:cSld>
     <p:spTree>
@@ -22275,7 +20085,7 @@
 </p:notes>
 </file>
 
-<file path=ppt/notesSlides/notesSlide18.xml><?xml version="1.0" encoding="utf-8"?>
+<file path=ppt/notesSlides/notesSlide19.xml><?xml version="1.0" encoding="utf-8"?>
 <p:notes xmlns:a="http://schemas.openxmlformats.org/drawingml/2006/main" xmlns:r="http://schemas.openxmlformats.org/officeDocument/2006/relationships" xmlns:p="http://schemas.openxmlformats.org/presentationml/2006/main">
   <p:cSld>
     <p:spTree>
@@ -22359,7 +20169,105 @@
 </p:notes>
 </file>
 
-<file path=ppt/notesSlides/notesSlide19.xml><?xml version="1.0" encoding="utf-8"?>
+<file path=ppt/notesSlides/notesSlide2.xml><?xml version="1.0" encoding="utf-8"?>
+<p:notes xmlns:a="http://schemas.openxmlformats.org/drawingml/2006/main" xmlns:r="http://schemas.openxmlformats.org/officeDocument/2006/relationships" xmlns:p="http://schemas.openxmlformats.org/presentationml/2006/main">
+  <p:cSld>
+    <p:spTree>
+      <p:nvGrpSpPr>
+        <p:cNvPr id="1" name=""/>
+        <p:cNvGrpSpPr/>
+        <p:nvPr/>
+      </p:nvGrpSpPr>
+      <p:grpSpPr>
+        <a:xfrm>
+          <a:off x="0" y="0"/>
+          <a:ext cx="0" cy="0"/>
+          <a:chOff x="0" y="0"/>
+          <a:chExt cx="0" cy="0"/>
+        </a:xfrm>
+      </p:grpSpPr>
+      <p:sp>
+        <p:nvSpPr>
+          <p:cNvPr id="2" name="Slide Image Placeholder 1"/>
+          <p:cNvSpPr>
+            <a:spLocks noGrp="1" noRot="1" noChangeAspect="1"/>
+          </p:cNvSpPr>
+          <p:nvPr>
+            <p:ph type="sldImg"/>
+          </p:nvPr>
+        </p:nvSpPr>
+        <p:spPr/>
+      </p:sp>
+      <p:sp>
+        <p:nvSpPr>
+          <p:cNvPr id="3" name="Notes Placeholder 2"/>
+          <p:cNvSpPr>
+            <a:spLocks noGrp="1"/>
+          </p:cNvSpPr>
+          <p:nvPr>
+            <p:ph type="body" idx="1"/>
+          </p:nvPr>
+        </p:nvSpPr>
+        <p:spPr/>
+        <p:txBody>
+          <a:bodyPr/>
+          <a:lstStyle/>
+          <a:p>
+            <a:r>
+              <a:rPr lang="en-US" sz="1200" b="0" i="0" u="none" strike="noStrike" kern="1200" baseline="0" dirty="0" smtClean="0">
+                <a:solidFill>
+                  <a:schemeClr val="tx1"/>
+                </a:solidFill>
+                <a:latin typeface="+mn-lt"/>
+                <a:ea typeface="+mn-ea"/>
+                <a:cs typeface="+mn-cs"/>
+              </a:rPr>
+              <a:t>The clinical symptoms of COVID-19 are still being documented and collated, although the majority of affected patients exhibit symptoms including a dry cough which is usually accompanied by fever</a:t>
+            </a:r>
+            <a:endParaRPr lang="en-US" dirty="0" smtClean="0"/>
+          </a:p>
+          <a:p>
+            <a:endParaRPr lang="en-US" dirty="0"/>
+          </a:p>
+        </p:txBody>
+      </p:sp>
+      <p:sp>
+        <p:nvSpPr>
+          <p:cNvPr id="4" name="Slide Number Placeholder 3"/>
+          <p:cNvSpPr>
+            <a:spLocks noGrp="1"/>
+          </p:cNvSpPr>
+          <p:nvPr>
+            <p:ph type="sldNum" sz="quarter" idx="10"/>
+          </p:nvPr>
+        </p:nvSpPr>
+        <p:spPr/>
+        <p:txBody>
+          <a:bodyPr/>
+          <a:lstStyle/>
+          <a:p>
+            <a:fld id="{82F53655-C98E-41A0-B5E4-0750657FD94C}" type="slidenum">
+              <a:rPr lang="en-US" smtClean="0"/>
+              <a:t>4</a:t>
+            </a:fld>
+            <a:endParaRPr lang="en-US"/>
+          </a:p>
+        </p:txBody>
+      </p:sp>
+    </p:spTree>
+    <p:extLst>
+      <p:ext uri="{BB962C8B-B14F-4D97-AF65-F5344CB8AC3E}">
+        <p14:creationId xmlns:p14="http://schemas.microsoft.com/office/powerpoint/2010/main" val="3198685997"/>
+      </p:ext>
+    </p:extLst>
+  </p:cSld>
+  <p:clrMapOvr>
+    <a:masterClrMapping/>
+  </p:clrMapOvr>
+</p:notes>
+</file>
+
+<file path=ppt/notesSlides/notesSlide20.xml><?xml version="1.0" encoding="utf-8"?>
 <p:notes xmlns:a="http://schemas.openxmlformats.org/drawingml/2006/main" xmlns:r="http://schemas.openxmlformats.org/officeDocument/2006/relationships" xmlns:p="http://schemas.openxmlformats.org/presentationml/2006/main">
   <p:cSld>
     <p:spTree>
@@ -22443,115 +20351,7 @@
 </p:notes>
 </file>
 
-<file path=ppt/notesSlides/notesSlide2.xml><?xml version="1.0" encoding="utf-8"?>
-<p:notes xmlns:a="http://schemas.openxmlformats.org/drawingml/2006/main" xmlns:r="http://schemas.openxmlformats.org/officeDocument/2006/relationships" xmlns:p="http://schemas.openxmlformats.org/presentationml/2006/main">
-  <p:cSld>
-    <p:spTree>
-      <p:nvGrpSpPr>
-        <p:cNvPr id="1" name=""/>
-        <p:cNvGrpSpPr/>
-        <p:nvPr/>
-      </p:nvGrpSpPr>
-      <p:grpSpPr>
-        <a:xfrm>
-          <a:off x="0" y="0"/>
-          <a:ext cx="0" cy="0"/>
-          <a:chOff x="0" y="0"/>
-          <a:chExt cx="0" cy="0"/>
-        </a:xfrm>
-      </p:grpSpPr>
-      <p:sp>
-        <p:nvSpPr>
-          <p:cNvPr id="2" name="Slide Image Placeholder 1"/>
-          <p:cNvSpPr>
-            <a:spLocks noGrp="1" noRot="1" noChangeAspect="1"/>
-          </p:cNvSpPr>
-          <p:nvPr>
-            <p:ph type="sldImg"/>
-          </p:nvPr>
-        </p:nvSpPr>
-        <p:spPr/>
-      </p:sp>
-      <p:sp>
-        <p:nvSpPr>
-          <p:cNvPr id="3" name="Notes Placeholder 2"/>
-          <p:cNvSpPr>
-            <a:spLocks noGrp="1"/>
-          </p:cNvSpPr>
-          <p:nvPr>
-            <p:ph type="body" idx="1"/>
-          </p:nvPr>
-        </p:nvSpPr>
-        <p:spPr/>
-        <p:txBody>
-          <a:bodyPr/>
-          <a:lstStyle/>
-          <a:p>
-            <a:r>
-              <a:rPr lang="en-US" sz="1200" b="0" i="0" u="none" strike="noStrike" kern="1200" baseline="0" dirty="0" smtClean="0">
-                <a:solidFill>
-                  <a:schemeClr val="tx1"/>
-                </a:solidFill>
-                <a:latin typeface="+mn-lt"/>
-                <a:ea typeface="+mn-ea"/>
-                <a:cs typeface="+mn-cs"/>
-              </a:rPr>
-              <a:t>A survey of 1391 children in China found 171 (12.3%) cases tested positive for SARS-CoV-2.8 </a:t>
-            </a:r>
-          </a:p>
-          <a:p>
-            <a:r>
-              <a:rPr lang="en-US" sz="1200" b="0" i="0" u="none" strike="noStrike" kern="1200" baseline="0" dirty="0" smtClean="0">
-                <a:solidFill>
-                  <a:schemeClr val="tx1"/>
-                </a:solidFill>
-                <a:latin typeface="+mn-lt"/>
-                <a:ea typeface="+mn-ea"/>
-                <a:cs typeface="+mn-cs"/>
-              </a:rPr>
-              <a:t>An analysis of more than 2000 child patients with suspected or confirmed COVID-19 in Hubei, China, found that over 90% presented as asymptomatic or with mild to moderate symptoms.</a:t>
-            </a:r>
-            <a:endParaRPr lang="en-US" dirty="0"/>
-          </a:p>
-        </p:txBody>
-      </p:sp>
-      <p:sp>
-        <p:nvSpPr>
-          <p:cNvPr id="4" name="Slide Number Placeholder 3"/>
-          <p:cNvSpPr>
-            <a:spLocks noGrp="1"/>
-          </p:cNvSpPr>
-          <p:nvPr>
-            <p:ph type="sldNum" sz="quarter" idx="10"/>
-          </p:nvPr>
-        </p:nvSpPr>
-        <p:spPr/>
-        <p:txBody>
-          <a:bodyPr/>
-          <a:lstStyle/>
-          <a:p>
-            <a:fld id="{82F53655-C98E-41A0-B5E4-0750657FD94C}" type="slidenum">
-              <a:rPr lang="en-US" smtClean="0"/>
-              <a:t>5</a:t>
-            </a:fld>
-            <a:endParaRPr lang="en-US"/>
-          </a:p>
-        </p:txBody>
-      </p:sp>
-    </p:spTree>
-    <p:extLst>
-      <p:ext uri="{BB962C8B-B14F-4D97-AF65-F5344CB8AC3E}">
-        <p14:creationId xmlns:p14="http://schemas.microsoft.com/office/powerpoint/2010/main" val="4252947657"/>
-      </p:ext>
-    </p:extLst>
-  </p:cSld>
-  <p:clrMapOvr>
-    <a:masterClrMapping/>
-  </p:clrMapOvr>
-</p:notes>
-</file>
-
-<file path=ppt/notesSlides/notesSlide20.xml><?xml version="1.0" encoding="utf-8"?>
+<file path=ppt/notesSlides/notesSlide21.xml><?xml version="1.0" encoding="utf-8"?>
 <p:notes xmlns:a="http://schemas.openxmlformats.org/drawingml/2006/main" xmlns:r="http://schemas.openxmlformats.org/officeDocument/2006/relationships" xmlns:p="http://schemas.openxmlformats.org/presentationml/2006/main">
   <p:cSld>
     <p:spTree>
@@ -22688,6 +20488,114 @@
                 <a:ea typeface="+mn-ea"/>
                 <a:cs typeface="+mn-cs"/>
               </a:rPr>
+              <a:t>A survey of 1391 children in China found 171 (12.3%) cases tested positive for SARS-CoV-2.8 </a:t>
+            </a:r>
+          </a:p>
+          <a:p>
+            <a:r>
+              <a:rPr lang="en-US" sz="1200" b="0" i="0" u="none" strike="noStrike" kern="1200" baseline="0" dirty="0" smtClean="0">
+                <a:solidFill>
+                  <a:schemeClr val="tx1"/>
+                </a:solidFill>
+                <a:latin typeface="+mn-lt"/>
+                <a:ea typeface="+mn-ea"/>
+                <a:cs typeface="+mn-cs"/>
+              </a:rPr>
+              <a:t>An analysis of more than 2000 child patients with suspected or confirmed COVID-19 in Hubei, China, found that over 90% presented as asymptomatic or with mild to moderate symptoms.</a:t>
+            </a:r>
+            <a:endParaRPr lang="en-US" dirty="0"/>
+          </a:p>
+        </p:txBody>
+      </p:sp>
+      <p:sp>
+        <p:nvSpPr>
+          <p:cNvPr id="4" name="Slide Number Placeholder 3"/>
+          <p:cNvSpPr>
+            <a:spLocks noGrp="1"/>
+          </p:cNvSpPr>
+          <p:nvPr>
+            <p:ph type="sldNum" sz="quarter" idx="10"/>
+          </p:nvPr>
+        </p:nvSpPr>
+        <p:spPr/>
+        <p:txBody>
+          <a:bodyPr/>
+          <a:lstStyle/>
+          <a:p>
+            <a:fld id="{82F53655-C98E-41A0-B5E4-0750657FD94C}" type="slidenum">
+              <a:rPr lang="en-US" smtClean="0"/>
+              <a:t>5</a:t>
+            </a:fld>
+            <a:endParaRPr lang="en-US"/>
+          </a:p>
+        </p:txBody>
+      </p:sp>
+    </p:spTree>
+    <p:extLst>
+      <p:ext uri="{BB962C8B-B14F-4D97-AF65-F5344CB8AC3E}">
+        <p14:creationId xmlns:p14="http://schemas.microsoft.com/office/powerpoint/2010/main" val="4252947657"/>
+      </p:ext>
+    </p:extLst>
+  </p:cSld>
+  <p:clrMapOvr>
+    <a:masterClrMapping/>
+  </p:clrMapOvr>
+</p:notes>
+</file>
+
+<file path=ppt/notesSlides/notesSlide4.xml><?xml version="1.0" encoding="utf-8"?>
+<p:notes xmlns:a="http://schemas.openxmlformats.org/drawingml/2006/main" xmlns:r="http://schemas.openxmlformats.org/officeDocument/2006/relationships" xmlns:p="http://schemas.openxmlformats.org/presentationml/2006/main">
+  <p:cSld>
+    <p:spTree>
+      <p:nvGrpSpPr>
+        <p:cNvPr id="1" name=""/>
+        <p:cNvGrpSpPr/>
+        <p:nvPr/>
+      </p:nvGrpSpPr>
+      <p:grpSpPr>
+        <a:xfrm>
+          <a:off x="0" y="0"/>
+          <a:ext cx="0" cy="0"/>
+          <a:chOff x="0" y="0"/>
+          <a:chExt cx="0" cy="0"/>
+        </a:xfrm>
+      </p:grpSpPr>
+      <p:sp>
+        <p:nvSpPr>
+          <p:cNvPr id="2" name="Slide Image Placeholder 1"/>
+          <p:cNvSpPr>
+            <a:spLocks noGrp="1" noRot="1" noChangeAspect="1"/>
+          </p:cNvSpPr>
+          <p:nvPr>
+            <p:ph type="sldImg"/>
+          </p:nvPr>
+        </p:nvSpPr>
+        <p:spPr/>
+      </p:sp>
+      <p:sp>
+        <p:nvSpPr>
+          <p:cNvPr id="3" name="Notes Placeholder 2"/>
+          <p:cNvSpPr>
+            <a:spLocks noGrp="1"/>
+          </p:cNvSpPr>
+          <p:nvPr>
+            <p:ph type="body" idx="1"/>
+          </p:nvPr>
+        </p:nvSpPr>
+        <p:spPr/>
+        <p:txBody>
+          <a:bodyPr/>
+          <a:lstStyle/>
+          <a:p>
+            <a:r>
+              <a:rPr lang="en-US" sz="1200" b="0" i="0" u="none" strike="noStrike" kern="1200" baseline="0" dirty="0" smtClean="0">
+                <a:solidFill>
+                  <a:schemeClr val="tx1"/>
+                </a:solidFill>
+                <a:latin typeface="+mn-lt"/>
+                <a:ea typeface="+mn-ea"/>
+                <a:cs typeface="+mn-cs"/>
+              </a:rPr>
               <a:t>These numbers are likely to be under-representative, as there is not universal testing of the whole population for the presence of COVID-19</a:t>
             </a:r>
             <a:endParaRPr lang="en-US" dirty="0"/>
@@ -22730,7 +20638,7 @@
 </p:notes>
 </file>
 
-<file path=ppt/notesSlides/notesSlide4.xml><?xml version="1.0" encoding="utf-8"?>
+<file path=ppt/notesSlides/notesSlide5.xml><?xml version="1.0" encoding="utf-8"?>
 <p:notes xmlns:a="http://schemas.openxmlformats.org/drawingml/2006/main" xmlns:r="http://schemas.openxmlformats.org/officeDocument/2006/relationships" xmlns:p="http://schemas.openxmlformats.org/presentationml/2006/main">
   <p:cSld>
     <p:spTree>
@@ -22846,7 +20754,7 @@
 </p:notes>
 </file>
 
-<file path=ppt/notesSlides/notesSlide5.xml><?xml version="1.0" encoding="utf-8"?>
+<file path=ppt/notesSlides/notesSlide6.xml><?xml version="1.0" encoding="utf-8"?>
 <p:notes xmlns:a="http://schemas.openxmlformats.org/drawingml/2006/main" xmlns:r="http://schemas.openxmlformats.org/officeDocument/2006/relationships" xmlns:p="http://schemas.openxmlformats.org/presentationml/2006/main">
   <p:cSld>
     <p:spTree>
@@ -22967,7 +20875,7 @@
 </p:notes>
 </file>
 
-<file path=ppt/notesSlides/notesSlide6.xml><?xml version="1.0" encoding="utf-8"?>
+<file path=ppt/notesSlides/notesSlide7.xml><?xml version="1.0" encoding="utf-8"?>
 <p:notes xmlns:a="http://schemas.openxmlformats.org/drawingml/2006/main" xmlns:r="http://schemas.openxmlformats.org/officeDocument/2006/relationships" xmlns:p="http://schemas.openxmlformats.org/presentationml/2006/main">
   <p:cSld>
     <p:spTree>
@@ -23118,7 +21026,7 @@
 </p:notes>
 </file>
 
-<file path=ppt/notesSlides/notesSlide7.xml><?xml version="1.0" encoding="utf-8"?>
+<file path=ppt/notesSlides/notesSlide8.xml><?xml version="1.0" encoding="utf-8"?>
 <p:notes xmlns:a="http://schemas.openxmlformats.org/drawingml/2006/main" xmlns:r="http://schemas.openxmlformats.org/officeDocument/2006/relationships" xmlns:p="http://schemas.openxmlformats.org/presentationml/2006/main">
   <p:cSld>
     <p:spTree>
@@ -23216,7 +21124,7 @@
 </p:notes>
 </file>
 
-<file path=ppt/notesSlides/notesSlide8.xml><?xml version="1.0" encoding="utf-8"?>
+<file path=ppt/notesSlides/notesSlide9.xml><?xml version="1.0" encoding="utf-8"?>
 <p:notes xmlns:a="http://schemas.openxmlformats.org/drawingml/2006/main" xmlns:r="http://schemas.openxmlformats.org/officeDocument/2006/relationships" xmlns:p="http://schemas.openxmlformats.org/presentationml/2006/main">
   <p:cSld>
     <p:spTree>
@@ -23367,90 +21275,6 @@
     <p:extLst>
       <p:ext uri="{BB962C8B-B14F-4D97-AF65-F5344CB8AC3E}">
         <p14:creationId xmlns:p14="http://schemas.microsoft.com/office/powerpoint/2010/main" val="3665237882"/>
-      </p:ext>
-    </p:extLst>
-  </p:cSld>
-  <p:clrMapOvr>
-    <a:masterClrMapping/>
-  </p:clrMapOvr>
-</p:notes>
-</file>
-
-<file path=ppt/notesSlides/notesSlide9.xml><?xml version="1.0" encoding="utf-8"?>
-<p:notes xmlns:a="http://schemas.openxmlformats.org/drawingml/2006/main" xmlns:r="http://schemas.openxmlformats.org/officeDocument/2006/relationships" xmlns:p="http://schemas.openxmlformats.org/presentationml/2006/main">
-  <p:cSld>
-    <p:spTree>
-      <p:nvGrpSpPr>
-        <p:cNvPr id="1" name=""/>
-        <p:cNvGrpSpPr/>
-        <p:nvPr/>
-      </p:nvGrpSpPr>
-      <p:grpSpPr>
-        <a:xfrm>
-          <a:off x="0" y="0"/>
-          <a:ext cx="0" cy="0"/>
-          <a:chOff x="0" y="0"/>
-          <a:chExt cx="0" cy="0"/>
-        </a:xfrm>
-      </p:grpSpPr>
-      <p:sp>
-        <p:nvSpPr>
-          <p:cNvPr id="2" name="Slide Image Placeholder 1"/>
-          <p:cNvSpPr>
-            <a:spLocks noGrp="1" noRot="1" noChangeAspect="1"/>
-          </p:cNvSpPr>
-          <p:nvPr>
-            <p:ph type="sldImg"/>
-          </p:nvPr>
-        </p:nvSpPr>
-        <p:spPr/>
-      </p:sp>
-      <p:sp>
-        <p:nvSpPr>
-          <p:cNvPr id="3" name="Notes Placeholder 2"/>
-          <p:cNvSpPr>
-            <a:spLocks noGrp="1"/>
-          </p:cNvSpPr>
-          <p:nvPr>
-            <p:ph type="body" idx="1"/>
-          </p:nvPr>
-        </p:nvSpPr>
-        <p:spPr/>
-        <p:txBody>
-          <a:bodyPr/>
-          <a:lstStyle/>
-          <a:p>
-            <a:endParaRPr lang="en-US" dirty="0"/>
-          </a:p>
-        </p:txBody>
-      </p:sp>
-      <p:sp>
-        <p:nvSpPr>
-          <p:cNvPr id="4" name="Slide Number Placeholder 3"/>
-          <p:cNvSpPr>
-            <a:spLocks noGrp="1"/>
-          </p:cNvSpPr>
-          <p:nvPr>
-            <p:ph type="sldNum" sz="quarter" idx="10"/>
-          </p:nvPr>
-        </p:nvSpPr>
-        <p:spPr/>
-        <p:txBody>
-          <a:bodyPr/>
-          <a:lstStyle/>
-          <a:p>
-            <a:fld id="{82F53655-C98E-41A0-B5E4-0750657FD94C}" type="slidenum">
-              <a:rPr lang="en-US" smtClean="0"/>
-              <a:t>12</a:t>
-            </a:fld>
-            <a:endParaRPr lang="en-US"/>
-          </a:p>
-        </p:txBody>
-      </p:sp>
-    </p:spTree>
-    <p:extLst>
-      <p:ext uri="{BB962C8B-B14F-4D97-AF65-F5344CB8AC3E}">
-        <p14:creationId xmlns:p14="http://schemas.microsoft.com/office/powerpoint/2010/main" val="3644342559"/>
       </p:ext>
     </p:extLst>
   </p:cSld>
@@ -23645,7 +21469,7 @@
           <a:p>
             <a:fld id="{A380FCC2-263A-4996-8A78-E6C1C42767A0}" type="datetimeFigureOut">
               <a:rPr lang="en-US" smtClean="0"/>
-              <a:t>7/13/2020</a:t>
+              <a:t>7/14/2020</a:t>
             </a:fld>
             <a:endParaRPr lang="en-US"/>
           </a:p>
@@ -23943,7 +21767,7 @@
           <a:p>
             <a:fld id="{A380FCC2-263A-4996-8A78-E6C1C42767A0}" type="datetimeFigureOut">
               <a:rPr lang="en-US" smtClean="0"/>
-              <a:t>7/13/2020</a:t>
+              <a:t>7/14/2020</a:t>
             </a:fld>
             <a:endParaRPr lang="en-US"/>
           </a:p>
@@ -24135,7 +21959,7 @@
           <a:p>
             <a:fld id="{A380FCC2-263A-4996-8A78-E6C1C42767A0}" type="datetimeFigureOut">
               <a:rPr lang="en-US" smtClean="0"/>
-              <a:t>7/13/2020</a:t>
+              <a:t>7/14/2020</a:t>
             </a:fld>
             <a:endParaRPr lang="en-US"/>
           </a:p>
@@ -24396,7 +22220,7 @@
           <a:p>
             <a:fld id="{A380FCC2-263A-4996-8A78-E6C1C42767A0}" type="datetimeFigureOut">
               <a:rPr lang="en-US" smtClean="0"/>
-              <a:t>7/13/2020</a:t>
+              <a:t>7/14/2020</a:t>
             </a:fld>
             <a:endParaRPr lang="en-US"/>
           </a:p>
@@ -24820,7 +22644,7 @@
           <a:p>
             <a:fld id="{A380FCC2-263A-4996-8A78-E6C1C42767A0}" type="datetimeFigureOut">
               <a:rPr lang="en-US" smtClean="0"/>
-              <a:t>7/13/2020</a:t>
+              <a:t>7/14/2020</a:t>
             </a:fld>
             <a:endParaRPr lang="en-US"/>
           </a:p>
@@ -25357,7 +23181,7 @@
           <a:p>
             <a:fld id="{A380FCC2-263A-4996-8A78-E6C1C42767A0}" type="datetimeFigureOut">
               <a:rPr lang="en-US" smtClean="0"/>
-              <a:t>7/13/2020</a:t>
+              <a:t>7/14/2020</a:t>
             </a:fld>
             <a:endParaRPr lang="en-US"/>
           </a:p>
@@ -26221,7 +24045,7 @@
           <a:p>
             <a:fld id="{A380FCC2-263A-4996-8A78-E6C1C42767A0}" type="datetimeFigureOut">
               <a:rPr lang="en-US" smtClean="0"/>
-              <a:t>7/13/2020</a:t>
+              <a:t>7/14/2020</a:t>
             </a:fld>
             <a:endParaRPr lang="en-US"/>
           </a:p>
@@ -26391,7 +24215,7 @@
           <a:p>
             <a:fld id="{A380FCC2-263A-4996-8A78-E6C1C42767A0}" type="datetimeFigureOut">
               <a:rPr lang="en-US" smtClean="0"/>
-              <a:t>7/13/2020</a:t>
+              <a:t>7/14/2020</a:t>
             </a:fld>
             <a:endParaRPr lang="en-US"/>
           </a:p>
@@ -26575,7 +24399,7 @@
           <a:p>
             <a:fld id="{A380FCC2-263A-4996-8A78-E6C1C42767A0}" type="datetimeFigureOut">
               <a:rPr lang="en-US" smtClean="0"/>
-              <a:t>7/13/2020</a:t>
+              <a:t>7/14/2020</a:t>
             </a:fld>
             <a:endParaRPr lang="en-US"/>
           </a:p>
@@ -26745,7 +24569,7 @@
           <a:p>
             <a:fld id="{A380FCC2-263A-4996-8A78-E6C1C42767A0}" type="datetimeFigureOut">
               <a:rPr lang="en-US" smtClean="0"/>
-              <a:t>7/13/2020</a:t>
+              <a:t>7/14/2020</a:t>
             </a:fld>
             <a:endParaRPr lang="en-US"/>
           </a:p>
@@ -26989,7 +24813,7 @@
           <a:p>
             <a:fld id="{A380FCC2-263A-4996-8A78-E6C1C42767A0}" type="datetimeFigureOut">
               <a:rPr lang="en-US" smtClean="0"/>
-              <a:t>7/13/2020</a:t>
+              <a:t>7/14/2020</a:t>
             </a:fld>
             <a:endParaRPr lang="en-US"/>
           </a:p>
@@ -27225,7 +25049,7 @@
           <a:p>
             <a:fld id="{A380FCC2-263A-4996-8A78-E6C1C42767A0}" type="datetimeFigureOut">
               <a:rPr lang="en-US" smtClean="0"/>
-              <a:t>7/13/2020</a:t>
+              <a:t>7/14/2020</a:t>
             </a:fld>
             <a:endParaRPr lang="en-US"/>
           </a:p>
@@ -27691,7 +25515,7 @@
           <a:p>
             <a:fld id="{A380FCC2-263A-4996-8A78-E6C1C42767A0}" type="datetimeFigureOut">
               <a:rPr lang="en-US" smtClean="0"/>
-              <a:t>7/13/2020</a:t>
+              <a:t>7/14/2020</a:t>
             </a:fld>
             <a:endParaRPr lang="en-US"/>
           </a:p>
@@ -27809,7 +25633,7 @@
           <a:p>
             <a:fld id="{A380FCC2-263A-4996-8A78-E6C1C42767A0}" type="datetimeFigureOut">
               <a:rPr lang="en-US" smtClean="0"/>
-              <a:t>7/13/2020</a:t>
+              <a:t>7/14/2020</a:t>
             </a:fld>
             <a:endParaRPr lang="en-US"/>
           </a:p>
@@ -27904,7 +25728,7 @@
           <a:p>
             <a:fld id="{A380FCC2-263A-4996-8A78-E6C1C42767A0}" type="datetimeFigureOut">
               <a:rPr lang="en-US" smtClean="0"/>
-              <a:t>7/13/2020</a:t>
+              <a:t>7/14/2020</a:t>
             </a:fld>
             <a:endParaRPr lang="en-US"/>
           </a:p>
@@ -28159,7 +25983,7 @@
           <a:p>
             <a:fld id="{A380FCC2-263A-4996-8A78-E6C1C42767A0}" type="datetimeFigureOut">
               <a:rPr lang="en-US" smtClean="0"/>
-              <a:t>7/13/2020</a:t>
+              <a:t>7/14/2020</a:t>
             </a:fld>
             <a:endParaRPr lang="en-US"/>
           </a:p>
@@ -28459,7 +26283,7 @@
           <a:p>
             <a:fld id="{A380FCC2-263A-4996-8A78-E6C1C42767A0}" type="datetimeFigureOut">
               <a:rPr lang="en-US" smtClean="0"/>
-              <a:t>7/13/2020</a:t>
+              <a:t>7/14/2020</a:t>
             </a:fld>
             <a:endParaRPr lang="en-US"/>
           </a:p>
@@ -28693,7 +26517,7 @@
           <a:p>
             <a:fld id="{A380FCC2-263A-4996-8A78-E6C1C42767A0}" type="datetimeFigureOut">
               <a:rPr lang="en-US" smtClean="0"/>
-              <a:t>7/13/2020</a:t>
+              <a:t>7/14/2020</a:t>
             </a:fld>
             <a:endParaRPr lang="en-US"/>
           </a:p>
@@ -32498,9 +30322,6 @@
               </a:rPr>
               <a:t> </a:t>
             </a:r>
-            <a:endParaRPr lang="en-US" sz="2400" dirty="0">
-              <a:latin typeface="Segoe Print" panose="02000600000000000000" pitchFamily="2" charset="0"/>
-            </a:endParaRPr>
           </a:p>
           <a:p>
             <a:pPr marL="342900" indent="-342900">
@@ -32564,15 +30385,6 @@
               </a:rPr>
               <a:t> </a:t>
             </a:r>
-            <a:endParaRPr lang="en-US" sz="2400" dirty="0">
-              <a:solidFill>
-                <a:schemeClr val="accent1">
-                  <a:lumMod val="60000"/>
-                  <a:lumOff val="40000"/>
-                </a:schemeClr>
-              </a:solidFill>
-              <a:latin typeface="Comic Sans MS" panose="030F0702030302020204" pitchFamily="66" charset="0"/>
-            </a:endParaRPr>
           </a:p>
         </p:txBody>
       </p:sp>
@@ -33262,9 +31074,6 @@
               </a:rPr>
               <a:t>, body aches, runny nose, sore throat.</a:t>
             </a:r>
-            <a:endParaRPr lang="en-US" dirty="0">
-              <a:latin typeface="Segoe Print" panose="02000600000000000000" pitchFamily="2" charset="0"/>
-            </a:endParaRPr>
           </a:p>
         </p:txBody>
       </p:sp>
@@ -38914,6 +36723,226 @@
           </a:p>
         </p:txBody>
       </p:sp>
+      <p:sp>
+        <p:nvSpPr>
+          <p:cNvPr id="12" name="Rectangle 11"/>
+          <p:cNvSpPr/>
+          <p:nvPr/>
+        </p:nvSpPr>
+        <p:spPr>
+          <a:xfrm>
+            <a:off x="721416" y="1380458"/>
+            <a:ext cx="7998687" cy="830997"/>
+          </a:xfrm>
+          <a:prstGeom prst="rect">
+            <a:avLst/>
+          </a:prstGeom>
+        </p:spPr>
+        <p:txBody>
+          <a:bodyPr wrap="square">
+            <a:spAutoFit/>
+          </a:bodyPr>
+          <a:lstStyle/>
+          <a:p>
+            <a:pPr algn="ctr"/>
+            <a:r>
+              <a:rPr lang="en-US" sz="2400" b="1" dirty="0" smtClean="0">
+                <a:solidFill>
+                  <a:srgbClr val="FF5050"/>
+                </a:solidFill>
+                <a:effectLst>
+                  <a:outerShdw blurRad="38100" dist="38100" dir="2700000" algn="tl">
+                    <a:srgbClr val="000000">
+                      <a:alpha val="43137"/>
+                    </a:srgbClr>
+                  </a:outerShdw>
+                </a:effectLst>
+                <a:latin typeface="Comic Sans MS" panose="030F0702030302020204" pitchFamily="66" charset="0"/>
+              </a:rPr>
+              <a:t>Severe Acute Respiratory Syndrome Coronavirus 2 </a:t>
+            </a:r>
+          </a:p>
+          <a:p>
+            <a:pPr algn="ctr"/>
+            <a:r>
+              <a:rPr lang="en-US" sz="2400" b="1" dirty="0" smtClean="0">
+                <a:solidFill>
+                  <a:srgbClr val="FF5050"/>
+                </a:solidFill>
+                <a:effectLst>
+                  <a:outerShdw blurRad="38100" dist="38100" dir="2700000" algn="tl">
+                    <a:srgbClr val="000000">
+                      <a:alpha val="43137"/>
+                    </a:srgbClr>
+                  </a:outerShdw>
+                </a:effectLst>
+                <a:latin typeface="Comic Sans MS" panose="030F0702030302020204" pitchFamily="66" charset="0"/>
+              </a:rPr>
+              <a:t>(</a:t>
+            </a:r>
+            <a:r>
+              <a:rPr lang="en-US" sz="2400" b="1" dirty="0">
+                <a:solidFill>
+                  <a:srgbClr val="FF5050"/>
+                </a:solidFill>
+                <a:effectLst>
+                  <a:outerShdw blurRad="38100" dist="38100" dir="2700000" algn="tl">
+                    <a:srgbClr val="000000">
+                      <a:alpha val="43137"/>
+                    </a:srgbClr>
+                  </a:outerShdw>
+                </a:effectLst>
+                <a:latin typeface="Comic Sans MS" panose="030F0702030302020204" pitchFamily="66" charset="0"/>
+              </a:rPr>
+              <a:t>SARS-CoV-2)</a:t>
+            </a:r>
+          </a:p>
+        </p:txBody>
+      </p:sp>
+      <p:sp>
+        <p:nvSpPr>
+          <p:cNvPr id="13" name="Rectangle 12"/>
+          <p:cNvSpPr/>
+          <p:nvPr/>
+        </p:nvSpPr>
+        <p:spPr>
+          <a:xfrm>
+            <a:off x="721417" y="2667320"/>
+            <a:ext cx="7758790" cy="1692771"/>
+          </a:xfrm>
+          <a:prstGeom prst="rect">
+            <a:avLst/>
+          </a:prstGeom>
+          <a:ln w="28575">
+            <a:solidFill>
+              <a:schemeClr val="accent1">
+                <a:lumMod val="60000"/>
+                <a:lumOff val="40000"/>
+              </a:schemeClr>
+            </a:solidFill>
+          </a:ln>
+        </p:spPr>
+        <p:txBody>
+          <a:bodyPr wrap="square">
+            <a:spAutoFit/>
+          </a:bodyPr>
+          <a:lstStyle/>
+          <a:p>
+            <a:pPr algn="ctr"/>
+            <a:r>
+              <a:rPr lang="en-US" sz="2400" b="1" dirty="0" smtClean="0">
+                <a:solidFill>
+                  <a:schemeClr val="accent3">
+                    <a:lumMod val="60000"/>
+                    <a:lumOff val="40000"/>
+                  </a:schemeClr>
+                </a:solidFill>
+                <a:latin typeface="Segoe Print" panose="02000600000000000000" pitchFamily="2" charset="0"/>
+              </a:rPr>
+              <a:t>Global pandemic </a:t>
+            </a:r>
+          </a:p>
+          <a:p>
+            <a:pPr algn="ctr"/>
+            <a:r>
+              <a:rPr lang="en-US" sz="2000" dirty="0" smtClean="0">
+                <a:latin typeface="Comic Sans MS" panose="030F0702030302020204" pitchFamily="66" charset="0"/>
+              </a:rPr>
+              <a:t>Public </a:t>
+            </a:r>
+            <a:r>
+              <a:rPr lang="en-US" sz="2000" dirty="0">
+                <a:latin typeface="Comic Sans MS" panose="030F0702030302020204" pitchFamily="66" charset="0"/>
+              </a:rPr>
+              <a:t>Health Emergency of International Concern (PHEIC) by the World Health Organization (WHO) Director-General on the recommendation of the International Health Regulations (2005) Emergency Committee</a:t>
+            </a:r>
+            <a:r>
+              <a:rPr lang="en-US" sz="2000" dirty="0" smtClean="0">
+                <a:latin typeface="Comic Sans MS" panose="030F0702030302020204" pitchFamily="66" charset="0"/>
+              </a:rPr>
+              <a:t>. </a:t>
+            </a:r>
+            <a:endParaRPr lang="en-US" sz="2000" dirty="0">
+              <a:latin typeface="Comic Sans MS" panose="030F0702030302020204" pitchFamily="66" charset="0"/>
+            </a:endParaRPr>
+          </a:p>
+        </p:txBody>
+      </p:sp>
+      <p:sp>
+        <p:nvSpPr>
+          <p:cNvPr id="14" name="Rectangle 13"/>
+          <p:cNvSpPr/>
+          <p:nvPr/>
+        </p:nvSpPr>
+        <p:spPr>
+          <a:xfrm>
+            <a:off x="685306" y="4536982"/>
+            <a:ext cx="7794901" cy="1015663"/>
+          </a:xfrm>
+          <a:prstGeom prst="rect">
+            <a:avLst/>
+          </a:prstGeom>
+          <a:solidFill>
+            <a:schemeClr val="accent1">
+              <a:lumMod val="40000"/>
+              <a:lumOff val="60000"/>
+            </a:schemeClr>
+          </a:solidFill>
+        </p:spPr>
+        <p:txBody>
+          <a:bodyPr wrap="square">
+            <a:spAutoFit/>
+          </a:bodyPr>
+          <a:lstStyle/>
+          <a:p>
+            <a:r>
+              <a:rPr lang="en-US" sz="2000" dirty="0">
+                <a:solidFill>
+                  <a:schemeClr val="bg1"/>
+                </a:solidFill>
+                <a:latin typeface="Comic Sans MS" panose="030F0702030302020204" pitchFamily="66" charset="0"/>
+              </a:rPr>
+              <a:t>The </a:t>
+            </a:r>
+            <a:r>
+              <a:rPr lang="en-US" sz="2000" u="sng" dirty="0">
+                <a:solidFill>
+                  <a:schemeClr val="bg1"/>
+                </a:solidFill>
+                <a:latin typeface="Comic Sans MS" panose="030F0702030302020204" pitchFamily="66" charset="0"/>
+              </a:rPr>
+              <a:t>first case </a:t>
+            </a:r>
+            <a:r>
+              <a:rPr lang="en-US" sz="2000" dirty="0">
+                <a:solidFill>
+                  <a:schemeClr val="bg1"/>
+                </a:solidFill>
+                <a:latin typeface="Comic Sans MS" panose="030F0702030302020204" pitchFamily="66" charset="0"/>
+              </a:rPr>
+              <a:t>of a dentist being tested positive for COVID-19 was reported on </a:t>
+            </a:r>
+            <a:r>
+              <a:rPr lang="en-US" sz="2000" u="sng" dirty="0">
+                <a:solidFill>
+                  <a:schemeClr val="bg1"/>
+                </a:solidFill>
+                <a:latin typeface="Comic Sans MS" panose="030F0702030302020204" pitchFamily="66" charset="0"/>
+              </a:rPr>
+              <a:t>23 January 2020 </a:t>
+            </a:r>
+            <a:r>
+              <a:rPr lang="en-US" sz="2000" dirty="0">
+                <a:solidFill>
+                  <a:schemeClr val="bg1"/>
+                </a:solidFill>
+                <a:latin typeface="Comic Sans MS" panose="030F0702030302020204" pitchFamily="66" charset="0"/>
+              </a:rPr>
+              <a:t>at the Department of Preventive Dentistry in the Wuhan University Dental Hospital. </a:t>
+            </a:r>
+          </a:p>
+        </p:txBody>
+      </p:sp>
     </p:spTree>
     <p:extLst>
       <p:ext uri="{BB962C8B-B14F-4D97-AF65-F5344CB8AC3E}">
@@ -40283,9 +38312,6 @@
               </a:rPr>
               <a:t>90% presented as asymptomatic or with mild to moderate symptoms.</a:t>
             </a:r>
-            <a:endParaRPr lang="en-US" dirty="0">
-              <a:latin typeface="Comic Sans MS" panose="030F0702030302020204" pitchFamily="66" charset="0"/>
-            </a:endParaRPr>
           </a:p>
         </p:txBody>
       </p:sp>
@@ -40991,15 +39017,6 @@
               </a:rPr>
               <a:t>with COVID-19</a:t>
             </a:r>
-            <a:endParaRPr lang="en-US" sz="2400" b="1" dirty="0">
-              <a:solidFill>
-                <a:schemeClr val="accent1">
-                  <a:lumMod val="60000"/>
-                  <a:lumOff val="40000"/>
-                </a:schemeClr>
-              </a:solidFill>
-              <a:latin typeface="Segoe Print" panose="02000600000000000000" pitchFamily="2" charset="0"/>
-            </a:endParaRPr>
           </a:p>
         </p:txBody>
       </p:sp>
